--- a/docs/diagrams/CreateGroupSequenceDiagram.pptx
+++ b/docs/diagrams/CreateGroupSequenceDiagram.pptx
@@ -7234,8 +7234,8 @@
         </p:nvSpPr>
         <p:spPr>
           <a:xfrm>
-            <a:off x="9404436" y="6182899"/>
-            <a:ext cx="821538" cy="276999"/>
+            <a:off x="9404435" y="6182899"/>
+            <a:ext cx="969017" cy="276999"/>
           </a:xfrm>
           <a:prstGeom prst="rect">
             <a:avLst/>
@@ -7254,7 +7254,7 @@
                   <a:schemeClr val="bg1"/>
                 </a:solidFill>
               </a:rPr>
-              <a:t>[t == true]</a:t>
+              <a:t>[t == false]</a:t>
             </a:r>
           </a:p>
         </p:txBody>

--- a/docs/diagrams/CreateGroupSequenceDiagram.pptx
+++ b/docs/diagrams/CreateGroupSequenceDiagram.pptx
@@ -3526,6 +3526,51 @@
           <a:chExt cx="0" cy="0"/>
         </a:xfrm>
       </p:grpSpPr>
+      <p:cxnSp>
+        <p:nvCxnSpPr>
+          <p:cNvPr id="120" name="Straight Connector 119">
+            <a:extLst>
+              <a:ext uri="{FF2B5EF4-FFF2-40B4-BE49-F238E27FC236}">
+                <a16:creationId xmlns:a16="http://schemas.microsoft.com/office/drawing/2014/main" id="{B5977103-8497-4308-98CC-B02FB35A1D5F}"/>
+              </a:ext>
+            </a:extLst>
+          </p:cNvPr>
+          <p:cNvCxnSpPr>
+            <a:cxnSpLocks/>
+          </p:cNvCxnSpPr>
+          <p:nvPr/>
+        </p:nvCxnSpPr>
+        <p:spPr>
+          <a:xfrm flipH="1">
+            <a:off x="6132522" y="2677112"/>
+            <a:ext cx="12952" cy="680717"/>
+          </a:xfrm>
+          <a:prstGeom prst="line">
+            <a:avLst/>
+          </a:prstGeom>
+          <a:ln w="19050">
+            <a:solidFill>
+              <a:srgbClr val="0070C0"/>
+            </a:solidFill>
+            <a:prstDash val="sysDash"/>
+          </a:ln>
+          <a:effectLst/>
+        </p:spPr>
+        <p:style>
+          <a:lnRef idx="1">
+            <a:schemeClr val="accent1"/>
+          </a:lnRef>
+          <a:fillRef idx="2">
+            <a:schemeClr val="accent1"/>
+          </a:fillRef>
+          <a:effectRef idx="1">
+            <a:schemeClr val="accent1"/>
+          </a:effectRef>
+          <a:fontRef idx="minor">
+            <a:schemeClr val="dk1"/>
+          </a:fontRef>
+        </p:style>
+      </p:cxnSp>
       <p:sp>
         <p:nvSpPr>
           <p:cNvPr id="56" name="Rectangle 65"/>
@@ -3534,8 +3579,8 @@
         </p:nvSpPr>
         <p:spPr>
           <a:xfrm>
-            <a:off x="9255806" y="-108804"/>
-            <a:ext cx="3903825" cy="8719389"/>
+            <a:off x="9241174" y="-914401"/>
+            <a:ext cx="4855223" cy="9503023"/>
           </a:xfrm>
           <a:prstGeom prst="roundRect">
             <a:avLst>
@@ -3609,8 +3654,8 @@
         </p:nvSpPr>
         <p:spPr>
           <a:xfrm>
-            <a:off x="-2645429" y="-108803"/>
-            <a:ext cx="11901235" cy="8719393"/>
+            <a:off x="-2614437" y="-914399"/>
+            <a:ext cx="11901235" cy="9503022"/>
           </a:xfrm>
           <a:prstGeom prst="roundRect">
             <a:avLst>
@@ -3684,7 +3729,7 @@
         </p:nvSpPr>
         <p:spPr>
           <a:xfrm>
-            <a:off x="-1206249" y="483484"/>
+            <a:off x="-1204623" y="-453937"/>
             <a:ext cx="1455629" cy="346760"/>
           </a:xfrm>
           <a:prstGeom prst="rect">
@@ -3740,13 +3785,14 @@
           <p:cNvPr id="5" name="Straight Connector 4"/>
           <p:cNvCxnSpPr>
             <a:cxnSpLocks/>
+            <a:stCxn id="2" idx="2"/>
           </p:cNvCxnSpPr>
           <p:nvPr/>
         </p:nvCxnSpPr>
         <p:spPr>
           <a:xfrm>
-            <a:off x="-489526" y="772822"/>
-            <a:ext cx="0" cy="7402068"/>
+            <a:off x="-476808" y="-107177"/>
+            <a:ext cx="23267" cy="8296852"/>
           </a:xfrm>
           <a:prstGeom prst="line">
             <a:avLst/>
@@ -3782,8 +3828,8 @@
         </p:nvSpPr>
         <p:spPr>
           <a:xfrm>
-            <a:off x="-567405" y="1236839"/>
-            <a:ext cx="144980" cy="6764147"/>
+            <a:off x="-541955" y="107165"/>
+            <a:ext cx="119529" cy="7893822"/>
           </a:xfrm>
           <a:prstGeom prst="rect">
             <a:avLst/>
@@ -3829,7 +3875,7 @@
         </p:nvSpPr>
         <p:spPr>
           <a:xfrm>
-            <a:off x="604884" y="504956"/>
+            <a:off x="625742" y="-453937"/>
             <a:ext cx="1219200" cy="467684"/>
           </a:xfrm>
           <a:prstGeom prst="rect">
@@ -3896,13 +3942,15 @@
           <p:cNvPr id="17" name="Straight Connector 16"/>
           <p:cNvCxnSpPr>
             <a:cxnSpLocks/>
+            <a:stCxn id="16" idx="2"/>
+            <a:endCxn id="18" idx="2"/>
           </p:cNvCxnSpPr>
           <p:nvPr/>
         </p:nvCxnSpPr>
         <p:spPr>
-          <a:xfrm>
-            <a:off x="1213262" y="979165"/>
-            <a:ext cx="0" cy="4923155"/>
+          <a:xfrm flipH="1">
+            <a:off x="1213616" y="13747"/>
+            <a:ext cx="21726" cy="4905119"/>
           </a:xfrm>
           <a:prstGeom prst="line">
             <a:avLst/>
@@ -3938,8 +3986,8 @@
         </p:nvSpPr>
         <p:spPr>
           <a:xfrm>
-            <a:off x="1131342" y="1397642"/>
-            <a:ext cx="159126" cy="3521223"/>
+            <a:off x="1136764" y="339618"/>
+            <a:ext cx="153704" cy="4579248"/>
           </a:xfrm>
           <a:prstGeom prst="rect">
             <a:avLst/>
@@ -3991,8 +4039,8 @@
         </p:nvCxnSpPr>
         <p:spPr>
           <a:xfrm flipH="1">
-            <a:off x="6966660" y="3190199"/>
-            <a:ext cx="16395" cy="2601001"/>
+            <a:off x="6970653" y="3296639"/>
+            <a:ext cx="12952" cy="680717"/>
           </a:xfrm>
           <a:prstGeom prst="line">
             <a:avLst/>
@@ -4028,8 +4076,8 @@
         </p:nvSpPr>
         <p:spPr>
           <a:xfrm>
-            <a:off x="8323414" y="3960887"/>
-            <a:ext cx="152400" cy="276003"/>
+            <a:off x="8291618" y="4329238"/>
+            <a:ext cx="175511" cy="184666"/>
           </a:xfrm>
           <a:prstGeom prst="rect">
             <a:avLst/>
@@ -4075,7 +4123,7 @@
         </p:nvCxnSpPr>
         <p:spPr>
           <a:xfrm>
-            <a:off x="-1694676" y="1255945"/>
+            <a:off x="-1668631" y="117008"/>
             <a:ext cx="1119851" cy="0"/>
           </a:xfrm>
           <a:prstGeom prst="straightConnector1">
@@ -4111,7 +4159,7 @@
         </p:nvSpPr>
         <p:spPr>
           <a:xfrm>
-            <a:off x="-2349713" y="805953"/>
+            <a:off x="-2225913" y="142608"/>
             <a:ext cx="1624103" cy="430887"/>
           </a:xfrm>
           <a:prstGeom prst="rect">
@@ -4194,7 +4242,7 @@
         </p:nvSpPr>
         <p:spPr>
           <a:xfrm>
-            <a:off x="3356664" y="4628852"/>
+            <a:off x="3422266" y="4762653"/>
             <a:ext cx="855809" cy="215444"/>
           </a:xfrm>
           <a:prstGeom prst="rect">
@@ -4236,8 +4284,8 @@
         </p:nvCxnSpPr>
         <p:spPr>
           <a:xfrm flipV="1">
-            <a:off x="2907778" y="2677155"/>
-            <a:ext cx="3063836" cy="2083"/>
+            <a:off x="2910867" y="2684718"/>
+            <a:ext cx="2270710" cy="11534"/>
           </a:xfrm>
           <a:prstGeom prst="straightConnector1">
             <a:avLst/>
@@ -4454,7 +4502,7 @@
         </p:nvSpPr>
         <p:spPr>
           <a:xfrm>
-            <a:off x="-358427" y="1364844"/>
+            <a:off x="-359805" y="396953"/>
             <a:ext cx="1258496" cy="861774"/>
           </a:xfrm>
           <a:prstGeom prst="rect">
@@ -4574,7 +4622,7 @@
         </p:nvSpPr>
         <p:spPr>
           <a:xfrm>
-            <a:off x="10468170" y="4871361"/>
+            <a:off x="11348794" y="4625683"/>
             <a:ext cx="2181777" cy="335427"/>
           </a:xfrm>
           <a:prstGeom prst="rect">
@@ -4633,8 +4681,8 @@
         </p:nvSpPr>
         <p:spPr>
           <a:xfrm>
-            <a:off x="9738915" y="5104671"/>
-            <a:ext cx="175565" cy="2330455"/>
+            <a:off x="10393702" y="5099791"/>
+            <a:ext cx="156359" cy="808825"/>
           </a:xfrm>
           <a:prstGeom prst="rect">
             <a:avLst/>
@@ -4674,53 +4722,13 @@
       </p:sp>
       <p:sp>
         <p:nvSpPr>
-          <p:cNvPr id="93" name="TextBox 92"/>
-          <p:cNvSpPr txBox="1"/>
-          <p:nvPr/>
-        </p:nvSpPr>
-        <p:spPr>
-          <a:xfrm>
-            <a:off x="1889877" y="4493378"/>
-            <a:ext cx="220343" cy="215444"/>
-          </a:xfrm>
-          <a:prstGeom prst="rect">
-            <a:avLst/>
-          </a:prstGeom>
-          <a:noFill/>
-        </p:spPr>
-        <p:txBody>
-          <a:bodyPr wrap="square" lIns="0" tIns="0" rIns="0" bIns="0" rtlCol="0">
-            <a:spAutoFit/>
-          </a:bodyPr>
-          <a:lstStyle>
-            <a:defPPr>
-              <a:defRPr lang="en-US"/>
-            </a:defPPr>
-            <a:lvl1pPr algn="r">
-              <a:defRPr sz="1400">
-                <a:solidFill>
-                  <a:srgbClr val="0070C0"/>
-                </a:solidFill>
-              </a:defRPr>
-            </a:lvl1pPr>
-          </a:lstStyle>
-          <a:p>
-            <a:r>
-              <a:rPr lang="en-US" dirty="0"/>
-              <a:t>c</a:t>
-            </a:r>
-          </a:p>
-        </p:txBody>
-      </p:sp>
-      <p:sp>
-        <p:nvSpPr>
           <p:cNvPr id="40" name="Rectangle 62"/>
           <p:cNvSpPr/>
           <p:nvPr/>
         </p:nvSpPr>
         <p:spPr>
           <a:xfrm>
-            <a:off x="9420994" y="4555866"/>
+            <a:off x="10103053" y="4635366"/>
             <a:ext cx="841636" cy="300180"/>
           </a:xfrm>
           <a:prstGeom prst="rect">
@@ -4779,8 +4787,8 @@
         </p:nvSpPr>
         <p:spPr>
           <a:xfrm>
-            <a:off x="11381698" y="5445145"/>
-            <a:ext cx="163377" cy="444350"/>
+            <a:off x="12295919" y="5254949"/>
+            <a:ext cx="163377" cy="346053"/>
           </a:xfrm>
           <a:prstGeom prst="rect">
             <a:avLst/>
@@ -4829,7 +4837,7 @@
         <p:spPr>
           <a:xfrm>
             <a:off x="8405107" y="5119498"/>
-            <a:ext cx="1345996" cy="0"/>
+            <a:ext cx="1977823" cy="0"/>
           </a:xfrm>
           <a:prstGeom prst="straightConnector1">
             <a:avLst/>
@@ -4864,7 +4872,7 @@
         </p:nvSpPr>
         <p:spPr>
           <a:xfrm>
-            <a:off x="8252949" y="8011476"/>
+            <a:off x="8241720" y="7808053"/>
             <a:ext cx="258404" cy="261610"/>
           </a:xfrm>
           <a:prstGeom prst="rect">
@@ -4948,9 +4956,9 @@
           <p:nvPr/>
         </p:nvCxnSpPr>
         <p:spPr>
-          <a:xfrm flipV="1">
-            <a:off x="-388148" y="1397643"/>
-            <a:ext cx="1525680" cy="1"/>
+          <a:xfrm>
+            <a:off x="-428013" y="338710"/>
+            <a:ext cx="1565299" cy="0"/>
           </a:xfrm>
           <a:prstGeom prst="straightConnector1">
             <a:avLst/>
@@ -4993,7 +5001,7 @@
         </p:nvCxnSpPr>
         <p:spPr>
           <a:xfrm flipV="1">
-            <a:off x="2923458" y="4228591"/>
+            <a:off x="2923142" y="4514259"/>
             <a:ext cx="5372996" cy="25630"/>
           </a:xfrm>
           <a:prstGeom prst="straightConnector1">
@@ -5069,18 +5077,20 @@
       <p:cxnSp>
         <p:nvCxnSpPr>
           <p:cNvPr id="13" name="Curved Connector 12"/>
-          <p:cNvCxnSpPr/>
+          <p:cNvCxnSpPr>
+            <a:cxnSpLocks/>
+          </p:cNvCxnSpPr>
           <p:nvPr/>
         </p:nvCxnSpPr>
         <p:spPr>
           <a:xfrm rot="16200000" flipH="1">
-            <a:off x="11528783" y="6574026"/>
+            <a:off x="12387068" y="6333839"/>
             <a:ext cx="156923" cy="76200"/>
           </a:xfrm>
           <a:prstGeom prst="curvedConnector4">
             <a:avLst>
-              <a:gd name="adj1" fmla="val -145677"/>
-              <a:gd name="adj2" fmla="val 400000"/>
+              <a:gd name="adj1" fmla="val -66472"/>
+              <a:gd name="adj2" fmla="val 355243"/>
             </a:avLst>
           </a:prstGeom>
           <a:ln>
@@ -5115,8 +5125,8 @@
         </p:nvCxnSpPr>
         <p:spPr>
           <a:xfrm>
-            <a:off x="9925805" y="5460357"/>
-            <a:ext cx="1455894" cy="0"/>
+            <a:off x="10572810" y="5270153"/>
+            <a:ext cx="1723109" cy="0"/>
           </a:xfrm>
           <a:prstGeom prst="straightConnector1">
             <a:avLst/>
@@ -5158,9 +5168,9 @@
           <p:nvPr/>
         </p:nvCxnSpPr>
         <p:spPr>
-          <a:xfrm flipV="1">
-            <a:off x="9918644" y="6990532"/>
-            <a:ext cx="1470216" cy="6325"/>
+          <a:xfrm>
+            <a:off x="10572810" y="6557278"/>
+            <a:ext cx="1645879" cy="0"/>
           </a:xfrm>
           <a:prstGeom prst="straightConnector1">
             <a:avLst/>
@@ -5203,7 +5213,7 @@
         </p:nvSpPr>
         <p:spPr>
           <a:xfrm>
-            <a:off x="2005392" y="512834"/>
+            <a:off x="2023386" y="265648"/>
             <a:ext cx="1653909" cy="466331"/>
           </a:xfrm>
           <a:prstGeom prst="rect">
@@ -5276,13 +5286,14 @@
           </p:cNvPr>
           <p:cNvCxnSpPr>
             <a:cxnSpLocks/>
+            <a:stCxn id="44" idx="2"/>
           </p:cNvCxnSpPr>
           <p:nvPr/>
         </p:nvCxnSpPr>
         <p:spPr>
-          <a:xfrm>
-            <a:off x="2840859" y="936258"/>
-            <a:ext cx="16950" cy="4687254"/>
+          <a:xfrm flipH="1">
+            <a:off x="2822647" y="731979"/>
+            <a:ext cx="27694" cy="4722503"/>
           </a:xfrm>
           <a:prstGeom prst="line">
             <a:avLst/>
@@ -5436,7 +5447,7 @@
         <p:spPr>
           <a:xfrm>
             <a:off x="2923458" y="1720657"/>
-            <a:ext cx="1648542" cy="0"/>
+            <a:ext cx="1114881" cy="0"/>
           </a:xfrm>
           <a:prstGeom prst="straightConnector1">
             <a:avLst/>
@@ -5477,7 +5488,7 @@
         </p:nvSpPr>
         <p:spPr>
           <a:xfrm>
-            <a:off x="4606708" y="1489245"/>
+            <a:off x="4045581" y="1508188"/>
             <a:ext cx="903155" cy="429468"/>
           </a:xfrm>
           <a:prstGeom prst="rect">
@@ -5542,7 +5553,7 @@
         </p:nvSpPr>
         <p:spPr>
           <a:xfrm>
-            <a:off x="4967090" y="1923415"/>
+            <a:off x="4484488" y="1941832"/>
             <a:ext cx="154408" cy="144660"/>
           </a:xfrm>
           <a:prstGeom prst="rect">
@@ -5597,9 +5608,9 @@
           <p:nvPr/>
         </p:nvCxnSpPr>
         <p:spPr>
-          <a:xfrm flipV="1">
-            <a:off x="2923458" y="2068075"/>
-            <a:ext cx="2120836" cy="14034"/>
+          <a:xfrm>
+            <a:off x="2910867" y="2086492"/>
+            <a:ext cx="1650825" cy="0"/>
           </a:xfrm>
           <a:prstGeom prst="straightConnector1">
             <a:avLst/>
@@ -5645,7 +5656,7 @@
         <p:spPr>
           <a:xfrm>
             <a:off x="2878675" y="2322924"/>
-            <a:ext cx="2706589" cy="0"/>
+            <a:ext cx="1921925" cy="0"/>
           </a:xfrm>
           <a:prstGeom prst="straightConnector1">
             <a:avLst/>
@@ -5687,9 +5698,9 @@
           <p:nvPr/>
         </p:nvCxnSpPr>
         <p:spPr>
-          <a:xfrm flipH="1">
-            <a:off x="5031227" y="2032469"/>
-            <a:ext cx="19370" cy="2778612"/>
+          <a:xfrm>
+            <a:off x="4560909" y="2097362"/>
+            <a:ext cx="783" cy="141507"/>
           </a:xfrm>
           <a:prstGeom prst="line">
             <a:avLst/>
@@ -5725,7 +5736,7 @@
         </p:nvSpPr>
         <p:spPr>
           <a:xfrm>
-            <a:off x="6525832" y="2736184"/>
+            <a:off x="6514814" y="3243919"/>
             <a:ext cx="953811" cy="461538"/>
           </a:xfrm>
           <a:prstGeom prst="rect">
@@ -5790,8 +5801,8 @@
         </p:nvSpPr>
         <p:spPr>
           <a:xfrm>
-            <a:off x="6916396" y="3203542"/>
-            <a:ext cx="125136" cy="215592"/>
+            <a:off x="6899672" y="3706287"/>
+            <a:ext cx="141963" cy="131830"/>
           </a:xfrm>
           <a:prstGeom prst="rect">
             <a:avLst/>
@@ -5843,8 +5854,8 @@
         </p:nvSpPr>
         <p:spPr>
           <a:xfrm>
-            <a:off x="2276382" y="1474331"/>
-            <a:ext cx="2330326" cy="215444"/>
+            <a:off x="2922316" y="1522826"/>
+            <a:ext cx="903155" cy="430887"/>
           </a:xfrm>
           <a:prstGeom prst="rect">
             <a:avLst/>
@@ -5889,8 +5900,8 @@
         </p:nvSpPr>
         <p:spPr>
           <a:xfrm>
-            <a:off x="2543865" y="2083724"/>
-            <a:ext cx="2330326" cy="215444"/>
+            <a:off x="2971376" y="2122940"/>
+            <a:ext cx="1114881" cy="430887"/>
           </a:xfrm>
           <a:prstGeom prst="rect">
             <a:avLst/>
@@ -5935,7 +5946,7 @@
         </p:nvSpPr>
         <p:spPr>
           <a:xfrm>
-            <a:off x="5585264" y="2112629"/>
+            <a:off x="4800600" y="2102873"/>
             <a:ext cx="895476" cy="429468"/>
           </a:xfrm>
           <a:prstGeom prst="rect">
@@ -6011,7 +6022,7 @@
         </p:nvSpPr>
         <p:spPr>
           <a:xfrm>
-            <a:off x="5943124" y="2538767"/>
+            <a:off x="5161054" y="2529188"/>
             <a:ext cx="154408" cy="144660"/>
           </a:xfrm>
           <a:prstGeom prst="rect">
@@ -6052,51 +6063,6 @@
       </p:sp>
       <p:cxnSp>
         <p:nvCxnSpPr>
-          <p:cNvPr id="109" name="Straight Connector 108">
-            <a:extLst>
-              <a:ext uri="{FF2B5EF4-FFF2-40B4-BE49-F238E27FC236}">
-                <a16:creationId xmlns:a16="http://schemas.microsoft.com/office/drawing/2014/main" id="{B9CCA5A7-89EA-43DA-9D6F-5E3C28C8A06C}"/>
-              </a:ext>
-            </a:extLst>
-          </p:cNvPr>
-          <p:cNvCxnSpPr>
-            <a:cxnSpLocks/>
-          </p:cNvCxnSpPr>
-          <p:nvPr/>
-        </p:nvCxnSpPr>
-        <p:spPr>
-          <a:xfrm flipH="1">
-            <a:off x="6029244" y="2641195"/>
-            <a:ext cx="336" cy="2982317"/>
-          </a:xfrm>
-          <a:prstGeom prst="line">
-            <a:avLst/>
-          </a:prstGeom>
-          <a:ln w="19050">
-            <a:solidFill>
-              <a:srgbClr val="0070C0"/>
-            </a:solidFill>
-            <a:prstDash val="sysDash"/>
-          </a:ln>
-          <a:effectLst/>
-        </p:spPr>
-        <p:style>
-          <a:lnRef idx="1">
-            <a:schemeClr val="accent1"/>
-          </a:lnRef>
-          <a:fillRef idx="2">
-            <a:schemeClr val="accent1"/>
-          </a:fillRef>
-          <a:effectRef idx="1">
-            <a:schemeClr val="accent1"/>
-          </a:effectRef>
-          <a:fontRef idx="minor">
-            <a:schemeClr val="dk1"/>
-          </a:fontRef>
-        </p:style>
-      </p:cxnSp>
-      <p:cxnSp>
-        <p:nvCxnSpPr>
           <p:cNvPr id="112" name="Straight Arrow Connector 111">
             <a:extLst>
               <a:ext uri="{FF2B5EF4-FFF2-40B4-BE49-F238E27FC236}">
@@ -6106,13 +6072,12 @@
           </p:cNvPr>
           <p:cNvCxnSpPr>
             <a:cxnSpLocks/>
-            <a:endCxn id="19" idx="1"/>
           </p:cNvCxnSpPr>
           <p:nvPr/>
         </p:nvCxnSpPr>
         <p:spPr>
           <a:xfrm flipV="1">
-            <a:off x="2870785" y="2966953"/>
+            <a:off x="2861475" y="3480443"/>
             <a:ext cx="3655047" cy="8390"/>
           </a:xfrm>
           <a:prstGeom prst="straightConnector1">
@@ -6156,7 +6121,7 @@
         </p:nvCxnSpPr>
         <p:spPr>
           <a:xfrm flipV="1">
-            <a:off x="2923458" y="3419134"/>
+            <a:off x="2924460" y="3839026"/>
             <a:ext cx="4051399" cy="8145"/>
           </a:xfrm>
           <a:prstGeom prst="straightConnector1">
@@ -6200,8 +6165,8 @@
         </p:nvSpPr>
         <p:spPr>
           <a:xfrm>
-            <a:off x="4225177" y="2688712"/>
-            <a:ext cx="758222" cy="215444"/>
+            <a:off x="4278075" y="3247756"/>
+            <a:ext cx="863378" cy="215444"/>
           </a:xfrm>
           <a:prstGeom prst="rect">
             <a:avLst/>
@@ -6227,7 +6192,7 @@
           <a:p>
             <a:r>
               <a:rPr lang="en-US" dirty="0"/>
-              <a:t>Group(n,l)</a:t>
+              <a:t>Group(n,l,t)</a:t>
             </a:r>
           </a:p>
         </p:txBody>
@@ -6248,7 +6213,7 @@
         </p:nvCxnSpPr>
         <p:spPr>
           <a:xfrm flipV="1">
-            <a:off x="2910867" y="3683495"/>
+            <a:off x="2918103" y="4092398"/>
             <a:ext cx="4750562" cy="11681"/>
           </a:xfrm>
           <a:prstGeom prst="straightConnector1">
@@ -6290,7 +6255,7 @@
         </p:nvSpPr>
         <p:spPr>
           <a:xfrm>
-            <a:off x="7668849" y="3427279"/>
+            <a:off x="7688029" y="3788803"/>
             <a:ext cx="1426604" cy="536672"/>
           </a:xfrm>
           <a:prstGeom prst="rect">
@@ -6355,7 +6320,7 @@
         </p:nvSpPr>
         <p:spPr>
           <a:xfrm>
-            <a:off x="3079427" y="3432194"/>
+            <a:off x="3988569" y="3869634"/>
             <a:ext cx="1868379" cy="215444"/>
           </a:xfrm>
           <a:prstGeom prst="rect">
@@ -6538,7 +6503,7 @@
         </p:nvSpPr>
         <p:spPr>
           <a:xfrm>
-            <a:off x="9704881" y="5213509"/>
+            <a:off x="10334817" y="5077991"/>
             <a:ext cx="1298078" cy="184666"/>
           </a:xfrm>
           <a:prstGeom prst="rect">
@@ -6601,13 +6566,13 @@
         </p:nvCxnSpPr>
         <p:spPr>
           <a:xfrm rot="16200000" flipH="1">
-            <a:off x="11480596" y="5586704"/>
+            <a:off x="12428347" y="5339280"/>
             <a:ext cx="156923" cy="76200"/>
           </a:xfrm>
           <a:prstGeom prst="curvedConnector4">
             <a:avLst>
-              <a:gd name="adj1" fmla="val -145677"/>
-              <a:gd name="adj2" fmla="val 400000"/>
+              <a:gd name="adj1" fmla="val -72355"/>
+              <a:gd name="adj2" fmla="val 364358"/>
             </a:avLst>
           </a:prstGeom>
           <a:ln>
@@ -6646,7 +6611,7 @@
         </p:nvSpPr>
         <p:spPr>
           <a:xfrm>
-            <a:off x="10537107" y="5425254"/>
+            <a:off x="11506199" y="5134802"/>
             <a:ext cx="2120786" cy="184666"/>
           </a:xfrm>
           <a:prstGeom prst="rect">
@@ -6697,7 +6662,7 @@
         </p:nvSpPr>
         <p:spPr>
           <a:xfrm>
-            <a:off x="9846436" y="6359684"/>
+            <a:off x="10586049" y="6090955"/>
             <a:ext cx="1298078" cy="184666"/>
           </a:xfrm>
           <a:prstGeom prst="rect">
@@ -6760,8 +6725,8 @@
         </p:nvCxnSpPr>
         <p:spPr>
           <a:xfrm>
-            <a:off x="9933937" y="6561888"/>
-            <a:ext cx="1467152" cy="0"/>
+            <a:off x="10572810" y="6283193"/>
+            <a:ext cx="1682007" cy="0"/>
           </a:xfrm>
           <a:prstGeom prst="straightConnector1">
             <a:avLst/>
@@ -6802,8 +6767,8 @@
         </p:nvSpPr>
         <p:spPr>
           <a:xfrm>
-            <a:off x="11828217" y="6345153"/>
-            <a:ext cx="1002167" cy="184666"/>
+            <a:off x="12690807" y="6319547"/>
+            <a:ext cx="952727" cy="184666"/>
           </a:xfrm>
           <a:prstGeom prst="rect">
             <a:avLst/>
@@ -6841,57 +6806,6 @@
       </p:sp>
       <p:sp>
         <p:nvSpPr>
-          <p:cNvPr id="162" name="TextBox 161">
-            <a:extLst>
-              <a:ext uri="{FF2B5EF4-FFF2-40B4-BE49-F238E27FC236}">
-                <a16:creationId xmlns:a16="http://schemas.microsoft.com/office/drawing/2014/main" id="{7085414C-F939-4B55-9117-7A1DC9B3CE10}"/>
-              </a:ext>
-            </a:extLst>
-          </p:cNvPr>
-          <p:cNvSpPr txBox="1"/>
-          <p:nvPr/>
-        </p:nvSpPr>
-        <p:spPr>
-          <a:xfrm>
-            <a:off x="10552143" y="5687525"/>
-            <a:ext cx="144139" cy="184666"/>
-          </a:xfrm>
-          <a:prstGeom prst="rect">
-            <a:avLst/>
-          </a:prstGeom>
-          <a:noFill/>
-        </p:spPr>
-        <p:txBody>
-          <a:bodyPr wrap="square" lIns="0" tIns="0" rIns="0" bIns="0" rtlCol="0">
-            <a:spAutoFit/>
-          </a:bodyPr>
-          <a:lstStyle>
-            <a:defPPr>
-              <a:defRPr lang="en-US"/>
-            </a:defPPr>
-            <a:lvl1pPr algn="r">
-              <a:defRPr sz="1400">
-                <a:solidFill>
-                  <a:srgbClr val="0070C0"/>
-                </a:solidFill>
-              </a:defRPr>
-            </a:lvl1pPr>
-          </a:lstStyle>
-          <a:p>
-            <a:r>
-              <a:rPr lang="en-US" sz="1200" dirty="0">
-                <a:solidFill>
-                  <a:srgbClr val="7030A0"/>
-                </a:solidFill>
-              </a:rPr>
-              <a:t>t</a:t>
-            </a:r>
-            <a:endParaRPr lang="en-US" sz="1200" dirty="0"/>
-          </a:p>
-        </p:txBody>
-      </p:sp>
-      <p:sp>
-        <p:nvSpPr>
           <p:cNvPr id="164" name="Rectangle 163">
             <a:extLst>
               <a:ext uri="{FF2B5EF4-FFF2-40B4-BE49-F238E27FC236}">
@@ -6904,8 +6818,8 @@
         </p:nvSpPr>
         <p:spPr>
           <a:xfrm>
-            <a:off x="9441811" y="5950511"/>
-            <a:ext cx="3399225" cy="1148372"/>
+            <a:off x="7924815" y="5955013"/>
+            <a:ext cx="6019775" cy="995492"/>
           </a:xfrm>
           <a:prstGeom prst="rect">
             <a:avLst/>
@@ -6954,7 +6868,7 @@
         </p:nvCxnSpPr>
         <p:spPr>
           <a:xfrm>
-            <a:off x="9831998" y="4873973"/>
+            <a:off x="10479436" y="4942636"/>
             <a:ext cx="0" cy="3127027"/>
           </a:xfrm>
           <a:prstGeom prst="line">
@@ -6997,8 +6911,8 @@
         </p:nvSpPr>
         <p:spPr>
           <a:xfrm>
-            <a:off x="11401089" y="6534969"/>
-            <a:ext cx="163377" cy="444350"/>
+            <a:off x="12252465" y="6275621"/>
+            <a:ext cx="184078" cy="281657"/>
           </a:xfrm>
           <a:prstGeom prst="rect">
             <a:avLst/>
@@ -7052,7 +6966,7 @@
         </p:nvCxnSpPr>
         <p:spPr>
           <a:xfrm>
-            <a:off x="11473781" y="5192208"/>
+            <a:off x="12369571" y="4977843"/>
             <a:ext cx="8997" cy="2122992"/>
           </a:xfrm>
           <a:prstGeom prst="line">
@@ -7097,8 +7011,8 @@
         </p:nvCxnSpPr>
         <p:spPr>
           <a:xfrm>
-            <a:off x="9907808" y="5902320"/>
-            <a:ext cx="1473890" cy="0"/>
+            <a:off x="10533036" y="5623512"/>
+            <a:ext cx="1762883" cy="0"/>
           </a:xfrm>
           <a:prstGeom prst="straightConnector1">
             <a:avLst/>
@@ -7141,7 +7055,7 @@
         </p:nvSpPr>
         <p:spPr>
           <a:xfrm rot="10800000" flipH="1">
-            <a:off x="9440516" y="5961266"/>
+            <a:off x="7940174" y="5960368"/>
             <a:ext cx="533400" cy="287343"/>
           </a:xfrm>
           <a:prstGeom prst="snip1Rect">
@@ -7195,7 +7109,7 @@
         </p:nvSpPr>
         <p:spPr>
           <a:xfrm>
-            <a:off x="9428395" y="5902320"/>
+            <a:off x="7922563" y="5893674"/>
             <a:ext cx="613637" cy="369332"/>
           </a:xfrm>
           <a:prstGeom prst="rect">
@@ -7234,8 +7148,8 @@
         </p:nvSpPr>
         <p:spPr>
           <a:xfrm>
-            <a:off x="9404435" y="6182899"/>
-            <a:ext cx="969017" cy="276999"/>
+            <a:off x="7875666" y="6231780"/>
+            <a:ext cx="1578359" cy="276999"/>
           </a:xfrm>
           <a:prstGeom prst="rect">
             <a:avLst/>
@@ -7254,7 +7168,7 @@
                   <a:schemeClr val="bg1"/>
                 </a:solidFill>
               </a:rPr>
-              <a:t>[t == false]</a:t>
+              <a:t>[hasGroup(g) == false]</a:t>
             </a:r>
           </a:p>
         </p:txBody>
@@ -7275,8 +7189,8 @@
         </p:nvCxnSpPr>
         <p:spPr>
           <a:xfrm>
-            <a:off x="8461055" y="7435126"/>
-            <a:ext cx="1290048" cy="0"/>
+            <a:off x="8471251" y="6748586"/>
+            <a:ext cx="1911679" cy="0"/>
           </a:xfrm>
           <a:prstGeom prst="straightConnector1">
             <a:avLst/>
@@ -7348,6 +7262,942 @@
           </a:effectRef>
           <a:fontRef idx="minor">
             <a:schemeClr val="tx1"/>
+          </a:fontRef>
+        </p:style>
+      </p:cxnSp>
+      <p:sp>
+        <p:nvSpPr>
+          <p:cNvPr id="85" name="Rectangle 84">
+            <a:extLst>
+              <a:ext uri="{FF2B5EF4-FFF2-40B4-BE49-F238E27FC236}">
+                <a16:creationId xmlns:a16="http://schemas.microsoft.com/office/drawing/2014/main" id="{31C09DFE-8482-4C2E-86DA-EF93B75F5A10}"/>
+              </a:ext>
+            </a:extLst>
+          </p:cNvPr>
+          <p:cNvSpPr/>
+          <p:nvPr/>
+        </p:nvSpPr>
+        <p:spPr>
+          <a:xfrm>
+            <a:off x="2799597" y="701344"/>
+            <a:ext cx="118927" cy="260212"/>
+          </a:xfrm>
+          <a:prstGeom prst="rect">
+            <a:avLst/>
+          </a:prstGeom>
+          <a:solidFill>
+            <a:srgbClr val="0070C0"/>
+          </a:solidFill>
+          <a:ln>
+            <a:solidFill>
+              <a:srgbClr val="0070C0"/>
+            </a:solidFill>
+          </a:ln>
+          <a:effectLst/>
+        </p:spPr>
+        <p:style>
+          <a:lnRef idx="1">
+            <a:schemeClr val="accent3"/>
+          </a:lnRef>
+          <a:fillRef idx="2">
+            <a:schemeClr val="accent3"/>
+          </a:fillRef>
+          <a:effectRef idx="1">
+            <a:schemeClr val="accent3"/>
+          </a:effectRef>
+          <a:fontRef idx="minor">
+            <a:schemeClr val="dk1"/>
+          </a:fontRef>
+        </p:style>
+        <p:txBody>
+          <a:bodyPr rtlCol="0" anchor="ctr"/>
+          <a:lstStyle/>
+          <a:p>
+            <a:pPr algn="ctr"/>
+            <a:endParaRPr lang="en-SG" sz="1400">
+              <a:solidFill>
+                <a:schemeClr val="dk1"/>
+              </a:solidFill>
+            </a:endParaRPr>
+          </a:p>
+        </p:txBody>
+      </p:sp>
+      <p:cxnSp>
+        <p:nvCxnSpPr>
+          <p:cNvPr id="87" name="Straight Arrow Connector 86">
+            <a:extLst>
+              <a:ext uri="{FF2B5EF4-FFF2-40B4-BE49-F238E27FC236}">
+                <a16:creationId xmlns:a16="http://schemas.microsoft.com/office/drawing/2014/main" id="{74871E81-664E-462E-B672-0056F1A7E0F9}"/>
+              </a:ext>
+            </a:extLst>
+          </p:cNvPr>
+          <p:cNvCxnSpPr>
+            <a:cxnSpLocks/>
+          </p:cNvCxnSpPr>
+          <p:nvPr/>
+        </p:nvCxnSpPr>
+        <p:spPr>
+          <a:xfrm>
+            <a:off x="1297293" y="457200"/>
+            <a:ext cx="735268" cy="0"/>
+          </a:xfrm>
+          <a:prstGeom prst="straightConnector1">
+            <a:avLst/>
+          </a:prstGeom>
+          <a:ln w="19050">
+            <a:solidFill>
+              <a:srgbClr val="0070C0"/>
+            </a:solidFill>
+            <a:tailEnd type="arrow"/>
+          </a:ln>
+        </p:spPr>
+        <p:style>
+          <a:lnRef idx="1">
+            <a:schemeClr val="accent1"/>
+          </a:lnRef>
+          <a:fillRef idx="0">
+            <a:schemeClr val="accent1"/>
+          </a:fillRef>
+          <a:effectRef idx="0">
+            <a:schemeClr val="accent1"/>
+          </a:effectRef>
+          <a:fontRef idx="minor">
+            <a:schemeClr val="tx1"/>
+          </a:fontRef>
+        </p:style>
+      </p:cxnSp>
+      <p:cxnSp>
+        <p:nvCxnSpPr>
+          <p:cNvPr id="90" name="Straight Arrow Connector 89">
+            <a:extLst>
+              <a:ext uri="{FF2B5EF4-FFF2-40B4-BE49-F238E27FC236}">
+                <a16:creationId xmlns:a16="http://schemas.microsoft.com/office/drawing/2014/main" id="{F6D2FA76-A84B-4E9C-9346-5B6E5906EC39}"/>
+              </a:ext>
+            </a:extLst>
+          </p:cNvPr>
+          <p:cNvCxnSpPr>
+            <a:cxnSpLocks/>
+          </p:cNvCxnSpPr>
+          <p:nvPr/>
+        </p:nvCxnSpPr>
+        <p:spPr>
+          <a:xfrm>
+            <a:off x="1297293" y="949828"/>
+            <a:ext cx="1469627" cy="0"/>
+          </a:xfrm>
+          <a:prstGeom prst="straightConnector1">
+            <a:avLst/>
+          </a:prstGeom>
+          <a:ln w="19050">
+            <a:solidFill>
+              <a:srgbClr val="0070C0"/>
+            </a:solidFill>
+            <a:prstDash val="sysDash"/>
+            <a:headEnd type="arrow" w="med" len="med"/>
+            <a:tailEnd type="none" w="med" len="med"/>
+          </a:ln>
+        </p:spPr>
+        <p:style>
+          <a:lnRef idx="1">
+            <a:schemeClr val="accent1"/>
+          </a:lnRef>
+          <a:fillRef idx="0">
+            <a:schemeClr val="accent1"/>
+          </a:fillRef>
+          <a:effectRef idx="0">
+            <a:schemeClr val="accent1"/>
+          </a:effectRef>
+          <a:fontRef idx="minor">
+            <a:schemeClr val="tx1"/>
+          </a:fontRef>
+        </p:style>
+      </p:cxnSp>
+      <p:sp>
+        <p:nvSpPr>
+          <p:cNvPr id="95" name="TextBox 94">
+            <a:extLst>
+              <a:ext uri="{FF2B5EF4-FFF2-40B4-BE49-F238E27FC236}">
+                <a16:creationId xmlns:a16="http://schemas.microsoft.com/office/drawing/2014/main" id="{62B0672F-403D-4D2F-8713-AF628A02C2A8}"/>
+              </a:ext>
+            </a:extLst>
+          </p:cNvPr>
+          <p:cNvSpPr txBox="1"/>
+          <p:nvPr/>
+        </p:nvSpPr>
+        <p:spPr>
+          <a:xfrm>
+            <a:off x="2701612" y="5080588"/>
+            <a:ext cx="258404" cy="261610"/>
+          </a:xfrm>
+          <a:prstGeom prst="rect">
+            <a:avLst/>
+          </a:prstGeom>
+          <a:noFill/>
+        </p:spPr>
+        <p:txBody>
+          <a:bodyPr wrap="none" rtlCol="0">
+            <a:spAutoFit/>
+          </a:bodyPr>
+          <a:lstStyle/>
+          <a:p>
+            <a:r>
+              <a:rPr lang="en-SG" sz="1100" dirty="0">
+                <a:solidFill>
+                  <a:srgbClr val="002060"/>
+                </a:solidFill>
+              </a:rPr>
+              <a:t>X</a:t>
+            </a:r>
+          </a:p>
+        </p:txBody>
+      </p:sp>
+      <p:sp>
+        <p:nvSpPr>
+          <p:cNvPr id="96" name="TextBox 95">
+            <a:extLst>
+              <a:ext uri="{FF2B5EF4-FFF2-40B4-BE49-F238E27FC236}">
+                <a16:creationId xmlns:a16="http://schemas.microsoft.com/office/drawing/2014/main" id="{0B480C55-023A-4756-8E8E-CA9F2670A810}"/>
+              </a:ext>
+            </a:extLst>
+          </p:cNvPr>
+          <p:cNvSpPr txBox="1"/>
+          <p:nvPr/>
+        </p:nvSpPr>
+        <p:spPr>
+          <a:xfrm>
+            <a:off x="1098039" y="4843061"/>
+            <a:ext cx="231154" cy="261610"/>
+          </a:xfrm>
+          <a:prstGeom prst="rect">
+            <a:avLst/>
+          </a:prstGeom>
+          <a:noFill/>
+        </p:spPr>
+        <p:txBody>
+          <a:bodyPr wrap="none" rtlCol="0">
+            <a:spAutoFit/>
+          </a:bodyPr>
+          <a:lstStyle/>
+          <a:p>
+            <a:r>
+              <a:rPr lang="en-SG" sz="1100" dirty="0">
+                <a:solidFill>
+                  <a:srgbClr val="002060"/>
+                </a:solidFill>
+              </a:rPr>
+              <a:t>!</a:t>
+            </a:r>
+          </a:p>
+        </p:txBody>
+      </p:sp>
+      <p:cxnSp>
+        <p:nvCxnSpPr>
+          <p:cNvPr id="97" name="Straight Arrow Connector 96">
+            <a:extLst>
+              <a:ext uri="{FF2B5EF4-FFF2-40B4-BE49-F238E27FC236}">
+                <a16:creationId xmlns:a16="http://schemas.microsoft.com/office/drawing/2014/main" id="{56F976FF-43C7-4DB2-B152-20F62C75F8FD}"/>
+              </a:ext>
+            </a:extLst>
+          </p:cNvPr>
+          <p:cNvCxnSpPr>
+            <a:cxnSpLocks/>
+          </p:cNvCxnSpPr>
+          <p:nvPr/>
+        </p:nvCxnSpPr>
+        <p:spPr>
+          <a:xfrm flipV="1">
+            <a:off x="8452002" y="5917063"/>
+            <a:ext cx="2007459" cy="3422"/>
+          </a:xfrm>
+          <a:prstGeom prst="straightConnector1">
+            <a:avLst/>
+          </a:prstGeom>
+          <a:ln w="19050">
+            <a:solidFill>
+              <a:srgbClr val="7030A0"/>
+            </a:solidFill>
+            <a:prstDash val="sysDash"/>
+            <a:headEnd type="arrow" w="med" len="med"/>
+            <a:tailEnd type="none" w="med" len="med"/>
+          </a:ln>
+        </p:spPr>
+        <p:style>
+          <a:lnRef idx="1">
+            <a:schemeClr val="accent1"/>
+          </a:lnRef>
+          <a:fillRef idx="0">
+            <a:schemeClr val="accent1"/>
+          </a:fillRef>
+          <a:effectRef idx="0">
+            <a:schemeClr val="accent1"/>
+          </a:effectRef>
+          <a:fontRef idx="minor">
+            <a:schemeClr val="tx1"/>
+          </a:fontRef>
+        </p:style>
+      </p:cxnSp>
+      <p:cxnSp>
+        <p:nvCxnSpPr>
+          <p:cNvPr id="99" name="Straight Arrow Connector 98">
+            <a:extLst>
+              <a:ext uri="{FF2B5EF4-FFF2-40B4-BE49-F238E27FC236}">
+                <a16:creationId xmlns:a16="http://schemas.microsoft.com/office/drawing/2014/main" id="{9769E130-26A4-49CF-A753-E39C7ACB1DDD}"/>
+              </a:ext>
+            </a:extLst>
+          </p:cNvPr>
+          <p:cNvCxnSpPr>
+            <a:cxnSpLocks/>
+          </p:cNvCxnSpPr>
+          <p:nvPr/>
+        </p:nvCxnSpPr>
+        <p:spPr>
+          <a:xfrm>
+            <a:off x="8471251" y="6208277"/>
+            <a:ext cx="1937561" cy="19740"/>
+          </a:xfrm>
+          <a:prstGeom prst="straightConnector1">
+            <a:avLst/>
+          </a:prstGeom>
+          <a:ln w="19050">
+            <a:solidFill>
+              <a:srgbClr val="0070C0"/>
+            </a:solidFill>
+            <a:tailEnd type="arrow"/>
+          </a:ln>
+        </p:spPr>
+        <p:style>
+          <a:lnRef idx="1">
+            <a:schemeClr val="accent1"/>
+          </a:lnRef>
+          <a:fillRef idx="0">
+            <a:schemeClr val="accent1"/>
+          </a:fillRef>
+          <a:effectRef idx="0">
+            <a:schemeClr val="accent1"/>
+          </a:effectRef>
+          <a:fontRef idx="minor">
+            <a:schemeClr val="tx1"/>
+          </a:fontRef>
+        </p:style>
+      </p:cxnSp>
+      <p:sp>
+        <p:nvSpPr>
+          <p:cNvPr id="101" name="TextBox 100">
+            <a:extLst>
+              <a:ext uri="{FF2B5EF4-FFF2-40B4-BE49-F238E27FC236}">
+                <a16:creationId xmlns:a16="http://schemas.microsoft.com/office/drawing/2014/main" id="{CF468E95-453D-4DA3-8A1C-CE87A4ED78B3}"/>
+              </a:ext>
+            </a:extLst>
+          </p:cNvPr>
+          <p:cNvSpPr txBox="1"/>
+          <p:nvPr/>
+        </p:nvSpPr>
+        <p:spPr>
+          <a:xfrm>
+            <a:off x="8325083" y="5969619"/>
+            <a:ext cx="1298078" cy="184666"/>
+          </a:xfrm>
+          <a:prstGeom prst="rect">
+            <a:avLst/>
+          </a:prstGeom>
+          <a:noFill/>
+        </p:spPr>
+        <p:txBody>
+          <a:bodyPr wrap="square" lIns="0" tIns="0" rIns="0" bIns="0" rtlCol="0">
+            <a:spAutoFit/>
+          </a:bodyPr>
+          <a:lstStyle>
+            <a:defPPr>
+              <a:defRPr lang="en-US"/>
+            </a:defPPr>
+            <a:lvl1pPr algn="r">
+              <a:defRPr sz="1400">
+                <a:solidFill>
+                  <a:srgbClr val="0070C0"/>
+                </a:solidFill>
+              </a:defRPr>
+            </a:lvl1pPr>
+          </a:lstStyle>
+          <a:p>
+            <a:r>
+              <a:rPr lang="en-US" sz="1200" dirty="0">
+                <a:solidFill>
+                  <a:schemeClr val="accent4">
+                    <a:lumMod val="75000"/>
+                  </a:schemeClr>
+                </a:solidFill>
+              </a:rPr>
+              <a:t>createGroup</a:t>
+            </a:r>
+            <a:r>
+              <a:rPr lang="en-US" sz="1200" dirty="0">
+                <a:solidFill>
+                  <a:srgbClr val="7030A0"/>
+                </a:solidFill>
+              </a:rPr>
+              <a:t>(g)</a:t>
+            </a:r>
+            <a:endParaRPr lang="en-US" sz="1200" dirty="0"/>
+          </a:p>
+        </p:txBody>
+      </p:sp>
+      <p:sp>
+        <p:nvSpPr>
+          <p:cNvPr id="103" name="Rectangle 102">
+            <a:extLst>
+              <a:ext uri="{FF2B5EF4-FFF2-40B4-BE49-F238E27FC236}">
+                <a16:creationId xmlns:a16="http://schemas.microsoft.com/office/drawing/2014/main" id="{F478CADB-F055-4183-8F33-6CE4FCA978F2}"/>
+              </a:ext>
+            </a:extLst>
+          </p:cNvPr>
+          <p:cNvSpPr/>
+          <p:nvPr/>
+        </p:nvSpPr>
+        <p:spPr>
+          <a:xfrm>
+            <a:off x="10390702" y="6223146"/>
+            <a:ext cx="184078" cy="525440"/>
+          </a:xfrm>
+          <a:prstGeom prst="rect">
+            <a:avLst/>
+          </a:prstGeom>
+          <a:solidFill>
+            <a:srgbClr val="7030A0"/>
+          </a:solidFill>
+          <a:ln>
+            <a:solidFill>
+              <a:srgbClr val="7030A0"/>
+            </a:solidFill>
+          </a:ln>
+          <a:effectLst/>
+        </p:spPr>
+        <p:style>
+          <a:lnRef idx="1">
+            <a:schemeClr val="accent3"/>
+          </a:lnRef>
+          <a:fillRef idx="2">
+            <a:schemeClr val="accent3"/>
+          </a:fillRef>
+          <a:effectRef idx="1">
+            <a:schemeClr val="accent3"/>
+          </a:effectRef>
+          <a:fontRef idx="minor">
+            <a:schemeClr val="dk1"/>
+          </a:fontRef>
+        </p:style>
+        <p:txBody>
+          <a:bodyPr rtlCol="0" anchor="ctr"/>
+          <a:lstStyle/>
+          <a:p>
+            <a:pPr algn="ctr"/>
+            <a:endParaRPr lang="en-SG" sz="1400"/>
+          </a:p>
+        </p:txBody>
+      </p:sp>
+      <p:sp>
+        <p:nvSpPr>
+          <p:cNvPr id="113" name="Rectangle 62">
+            <a:extLst>
+              <a:ext uri="{FF2B5EF4-FFF2-40B4-BE49-F238E27FC236}">
+                <a16:creationId xmlns:a16="http://schemas.microsoft.com/office/drawing/2014/main" id="{BFD85484-AAC6-4F57-89E8-8E666E98F11D}"/>
+              </a:ext>
+            </a:extLst>
+          </p:cNvPr>
+          <p:cNvSpPr/>
+          <p:nvPr/>
+        </p:nvSpPr>
+        <p:spPr>
+          <a:xfrm>
+            <a:off x="8640556" y="6989580"/>
+            <a:ext cx="1640660" cy="504882"/>
+          </a:xfrm>
+          <a:prstGeom prst="rect">
+            <a:avLst/>
+          </a:prstGeom>
+          <a:solidFill>
+            <a:srgbClr val="0070C0"/>
+          </a:solidFill>
+          <a:ln w="19050">
+            <a:solidFill>
+              <a:srgbClr val="0070C0"/>
+            </a:solidFill>
+          </a:ln>
+          <a:effectLst/>
+        </p:spPr>
+        <p:style>
+          <a:lnRef idx="1">
+            <a:schemeClr val="accent2"/>
+          </a:lnRef>
+          <a:fillRef idx="2">
+            <a:schemeClr val="accent2"/>
+          </a:fillRef>
+          <a:effectRef idx="1">
+            <a:schemeClr val="accent2"/>
+          </a:effectRef>
+          <a:fontRef idx="minor">
+            <a:schemeClr val="dk1"/>
+          </a:fontRef>
+        </p:style>
+        <p:txBody>
+          <a:bodyPr rtlCol="0" anchor="ctr"/>
+          <a:lstStyle/>
+          <a:p>
+            <a:pPr algn="ctr"/>
+            <a:r>
+              <a:rPr lang="en-US" sz="1600" dirty="0">
+                <a:solidFill>
+                  <a:schemeClr val="bg1"/>
+                </a:solidFill>
+              </a:rPr>
+              <a:t>result:CommandResult</a:t>
+            </a:r>
+            <a:endParaRPr lang="en-SG" sz="1600" dirty="0">
+              <a:solidFill>
+                <a:schemeClr val="bg1"/>
+              </a:solidFill>
+            </a:endParaRPr>
+          </a:p>
+        </p:txBody>
+      </p:sp>
+      <p:cxnSp>
+        <p:nvCxnSpPr>
+          <p:cNvPr id="114" name="Straight Arrow Connector 113">
+            <a:extLst>
+              <a:ext uri="{FF2B5EF4-FFF2-40B4-BE49-F238E27FC236}">
+                <a16:creationId xmlns:a16="http://schemas.microsoft.com/office/drawing/2014/main" id="{793EDF3C-1ABF-4005-A335-A40064B116B1}"/>
+              </a:ext>
+            </a:extLst>
+          </p:cNvPr>
+          <p:cNvCxnSpPr>
+            <a:cxnSpLocks/>
+            <a:endCxn id="113" idx="1"/>
+          </p:cNvCxnSpPr>
+          <p:nvPr/>
+        </p:nvCxnSpPr>
+        <p:spPr>
+          <a:xfrm>
+            <a:off x="8370922" y="7242021"/>
+            <a:ext cx="269634" cy="0"/>
+          </a:xfrm>
+          <a:prstGeom prst="straightConnector1">
+            <a:avLst/>
+          </a:prstGeom>
+          <a:ln w="19050">
+            <a:solidFill>
+              <a:srgbClr val="0070C0"/>
+            </a:solidFill>
+            <a:tailEnd type="arrow"/>
+          </a:ln>
+        </p:spPr>
+        <p:style>
+          <a:lnRef idx="1">
+            <a:schemeClr val="accent1"/>
+          </a:lnRef>
+          <a:fillRef idx="0">
+            <a:schemeClr val="accent1"/>
+          </a:fillRef>
+          <a:effectRef idx="0">
+            <a:schemeClr val="accent1"/>
+          </a:effectRef>
+          <a:fontRef idx="minor">
+            <a:schemeClr val="tx1"/>
+          </a:fontRef>
+        </p:style>
+      </p:cxnSp>
+      <p:sp>
+        <p:nvSpPr>
+          <p:cNvPr id="117" name="Rectangle 116">
+            <a:extLst>
+              <a:ext uri="{FF2B5EF4-FFF2-40B4-BE49-F238E27FC236}">
+                <a16:creationId xmlns:a16="http://schemas.microsoft.com/office/drawing/2014/main" id="{FBD2A142-88CF-4437-AFA4-19647E09E9B6}"/>
+              </a:ext>
+            </a:extLst>
+          </p:cNvPr>
+          <p:cNvSpPr/>
+          <p:nvPr/>
+        </p:nvSpPr>
+        <p:spPr>
+          <a:xfrm>
+            <a:off x="9303697" y="7497608"/>
+            <a:ext cx="143923" cy="140025"/>
+          </a:xfrm>
+          <a:prstGeom prst="rect">
+            <a:avLst/>
+          </a:prstGeom>
+          <a:solidFill>
+            <a:srgbClr val="0070C0"/>
+          </a:solidFill>
+          <a:ln>
+            <a:solidFill>
+              <a:srgbClr val="0070C0"/>
+            </a:solidFill>
+          </a:ln>
+          <a:effectLst/>
+        </p:spPr>
+        <p:style>
+          <a:lnRef idx="1">
+            <a:schemeClr val="accent3"/>
+          </a:lnRef>
+          <a:fillRef idx="2">
+            <a:schemeClr val="accent3"/>
+          </a:fillRef>
+          <a:effectRef idx="1">
+            <a:schemeClr val="accent3"/>
+          </a:effectRef>
+          <a:fontRef idx="minor">
+            <a:schemeClr val="dk1"/>
+          </a:fontRef>
+        </p:style>
+        <p:txBody>
+          <a:bodyPr rtlCol="0" anchor="ctr"/>
+          <a:lstStyle/>
+          <a:p>
+            <a:pPr algn="ctr"/>
+            <a:endParaRPr lang="en-SG" sz="1400"/>
+          </a:p>
+        </p:txBody>
+      </p:sp>
+      <p:cxnSp>
+        <p:nvCxnSpPr>
+          <p:cNvPr id="118" name="Straight Arrow Connector 117">
+            <a:extLst>
+              <a:ext uri="{FF2B5EF4-FFF2-40B4-BE49-F238E27FC236}">
+                <a16:creationId xmlns:a16="http://schemas.microsoft.com/office/drawing/2014/main" id="{1642D1E8-8964-42B9-9EB1-EF4FDA2D0F9B}"/>
+              </a:ext>
+            </a:extLst>
+          </p:cNvPr>
+          <p:cNvCxnSpPr>
+            <a:cxnSpLocks/>
+          </p:cNvCxnSpPr>
+          <p:nvPr/>
+        </p:nvCxnSpPr>
+        <p:spPr>
+          <a:xfrm>
+            <a:off x="8461055" y="7637633"/>
+            <a:ext cx="842642" cy="0"/>
+          </a:xfrm>
+          <a:prstGeom prst="straightConnector1">
+            <a:avLst/>
+          </a:prstGeom>
+          <a:ln w="19050">
+            <a:solidFill>
+              <a:srgbClr val="0070C0"/>
+            </a:solidFill>
+            <a:prstDash val="sysDash"/>
+            <a:headEnd type="arrow" w="med" len="med"/>
+            <a:tailEnd type="none" w="med" len="med"/>
+          </a:ln>
+        </p:spPr>
+        <p:style>
+          <a:lnRef idx="1">
+            <a:schemeClr val="accent1"/>
+          </a:lnRef>
+          <a:fillRef idx="0">
+            <a:schemeClr val="accent1"/>
+          </a:fillRef>
+          <a:effectRef idx="0">
+            <a:schemeClr val="accent1"/>
+          </a:effectRef>
+          <a:fontRef idx="minor">
+            <a:schemeClr val="tx1"/>
+          </a:fontRef>
+        </p:style>
+      </p:cxnSp>
+      <p:cxnSp>
+        <p:nvCxnSpPr>
+          <p:cNvPr id="104" name="Straight Connector 103">
+            <a:extLst>
+              <a:ext uri="{FF2B5EF4-FFF2-40B4-BE49-F238E27FC236}">
+                <a16:creationId xmlns:a16="http://schemas.microsoft.com/office/drawing/2014/main" id="{4B8AC2AA-53D2-4812-8004-75C5A1B90409}"/>
+              </a:ext>
+            </a:extLst>
+          </p:cNvPr>
+          <p:cNvCxnSpPr>
+            <a:cxnSpLocks/>
+          </p:cNvCxnSpPr>
+          <p:nvPr/>
+        </p:nvCxnSpPr>
+        <p:spPr>
+          <a:xfrm>
+            <a:off x="5237084" y="2688712"/>
+            <a:ext cx="1174" cy="157173"/>
+          </a:xfrm>
+          <a:prstGeom prst="line">
+            <a:avLst/>
+          </a:prstGeom>
+          <a:ln w="19050">
+            <a:solidFill>
+              <a:srgbClr val="0070C0"/>
+            </a:solidFill>
+            <a:prstDash val="sysDash"/>
+          </a:ln>
+          <a:effectLst/>
+        </p:spPr>
+        <p:style>
+          <a:lnRef idx="1">
+            <a:schemeClr val="accent1"/>
+          </a:lnRef>
+          <a:fillRef idx="2">
+            <a:schemeClr val="accent1"/>
+          </a:fillRef>
+          <a:effectRef idx="1">
+            <a:schemeClr val="accent1"/>
+          </a:effectRef>
+          <a:fontRef idx="minor">
+            <a:schemeClr val="dk1"/>
+          </a:fontRef>
+        </p:style>
+      </p:cxnSp>
+      <p:cxnSp>
+        <p:nvCxnSpPr>
+          <p:cNvPr id="106" name="Straight Arrow Connector 105">
+            <a:extLst>
+              <a:ext uri="{FF2B5EF4-FFF2-40B4-BE49-F238E27FC236}">
+                <a16:creationId xmlns:a16="http://schemas.microsoft.com/office/drawing/2014/main" id="{F35C5DDF-DE14-40FB-8E8D-4CBADA886F0C}"/>
+              </a:ext>
+            </a:extLst>
+          </p:cNvPr>
+          <p:cNvCxnSpPr>
+            <a:cxnSpLocks/>
+          </p:cNvCxnSpPr>
+          <p:nvPr/>
+        </p:nvCxnSpPr>
+        <p:spPr>
+          <a:xfrm>
+            <a:off x="2859060" y="2895600"/>
+            <a:ext cx="2701331" cy="0"/>
+          </a:xfrm>
+          <a:prstGeom prst="straightConnector1">
+            <a:avLst/>
+          </a:prstGeom>
+          <a:ln w="19050">
+            <a:solidFill>
+              <a:srgbClr val="0070C0"/>
+            </a:solidFill>
+            <a:tailEnd type="arrow"/>
+          </a:ln>
+        </p:spPr>
+        <p:style>
+          <a:lnRef idx="1">
+            <a:schemeClr val="accent1"/>
+          </a:lnRef>
+          <a:fillRef idx="0">
+            <a:schemeClr val="accent1"/>
+          </a:fillRef>
+          <a:effectRef idx="0">
+            <a:schemeClr val="accent1"/>
+          </a:effectRef>
+          <a:fontRef idx="minor">
+            <a:schemeClr val="tx1"/>
+          </a:fontRef>
+        </p:style>
+      </p:cxnSp>
+      <p:sp>
+        <p:nvSpPr>
+          <p:cNvPr id="110" name="Rectangle 62">
+            <a:extLst>
+              <a:ext uri="{FF2B5EF4-FFF2-40B4-BE49-F238E27FC236}">
+                <a16:creationId xmlns:a16="http://schemas.microsoft.com/office/drawing/2014/main" id="{F0A9BFC2-E6E2-4053-A48D-8473D8791C83}"/>
+              </a:ext>
+            </a:extLst>
+          </p:cNvPr>
+          <p:cNvSpPr/>
+          <p:nvPr/>
+        </p:nvSpPr>
+        <p:spPr>
+          <a:xfrm>
+            <a:off x="5550003" y="2631151"/>
+            <a:ext cx="1162397" cy="429468"/>
+          </a:xfrm>
+          <a:prstGeom prst="rect">
+            <a:avLst/>
+          </a:prstGeom>
+          <a:solidFill>
+            <a:srgbClr val="0070C0"/>
+          </a:solidFill>
+          <a:ln w="19050">
+            <a:solidFill>
+              <a:srgbClr val="0070C0"/>
+            </a:solidFill>
+          </a:ln>
+          <a:effectLst/>
+        </p:spPr>
+        <p:style>
+          <a:lnRef idx="1">
+            <a:schemeClr val="accent2"/>
+          </a:lnRef>
+          <a:fillRef idx="2">
+            <a:schemeClr val="accent2"/>
+          </a:fillRef>
+          <a:effectRef idx="1">
+            <a:schemeClr val="accent2"/>
+          </a:effectRef>
+          <a:fontRef idx="minor">
+            <a:schemeClr val="dk1"/>
+          </a:fontRef>
+        </p:style>
+        <p:txBody>
+          <a:bodyPr rtlCol="0" anchor="ctr"/>
+          <a:lstStyle/>
+          <a:p>
+            <a:pPr algn="ctr"/>
+            <a:r>
+              <a:rPr lang="en-US" sz="1600" dirty="0">
+                <a:solidFill>
+                  <a:schemeClr val="bg1"/>
+                </a:solidFill>
+              </a:rPr>
+              <a:t>t:Set&lt;Tag&gt;</a:t>
+            </a:r>
+            <a:endParaRPr lang="en-SG" sz="1600" dirty="0">
+              <a:solidFill>
+                <a:schemeClr val="bg1"/>
+              </a:solidFill>
+            </a:endParaRPr>
+          </a:p>
+        </p:txBody>
+      </p:sp>
+      <p:sp>
+        <p:nvSpPr>
+          <p:cNvPr id="115" name="Rectangle 114">
+            <a:extLst>
+              <a:ext uri="{FF2B5EF4-FFF2-40B4-BE49-F238E27FC236}">
+                <a16:creationId xmlns:a16="http://schemas.microsoft.com/office/drawing/2014/main" id="{33E2101B-885C-4A36-8BDF-0409D78DA5CE}"/>
+              </a:ext>
+            </a:extLst>
+          </p:cNvPr>
+          <p:cNvSpPr/>
+          <p:nvPr/>
+        </p:nvSpPr>
+        <p:spPr>
+          <a:xfrm>
+            <a:off x="6053997" y="3048719"/>
+            <a:ext cx="154408" cy="206710"/>
+          </a:xfrm>
+          <a:prstGeom prst="rect">
+            <a:avLst/>
+          </a:prstGeom>
+          <a:solidFill>
+            <a:srgbClr val="0070C0"/>
+          </a:solidFill>
+          <a:ln>
+            <a:solidFill>
+              <a:srgbClr val="0070C0"/>
+            </a:solidFill>
+          </a:ln>
+          <a:effectLst/>
+        </p:spPr>
+        <p:style>
+          <a:lnRef idx="1">
+            <a:schemeClr val="accent3"/>
+          </a:lnRef>
+          <a:fillRef idx="2">
+            <a:schemeClr val="accent3"/>
+          </a:fillRef>
+          <a:effectRef idx="1">
+            <a:schemeClr val="accent3"/>
+          </a:effectRef>
+          <a:fontRef idx="minor">
+            <a:schemeClr val="dk1"/>
+          </a:fontRef>
+        </p:style>
+        <p:txBody>
+          <a:bodyPr rtlCol="0" anchor="ctr"/>
+          <a:lstStyle/>
+          <a:p>
+            <a:pPr algn="ctr"/>
+            <a:endParaRPr lang="en-SG" sz="1400"/>
+          </a:p>
+        </p:txBody>
+      </p:sp>
+      <p:cxnSp>
+        <p:nvCxnSpPr>
+          <p:cNvPr id="116" name="Straight Arrow Connector 115">
+            <a:extLst>
+              <a:ext uri="{FF2B5EF4-FFF2-40B4-BE49-F238E27FC236}">
+                <a16:creationId xmlns:a16="http://schemas.microsoft.com/office/drawing/2014/main" id="{C79F064D-EAA5-4F1A-94AC-5FC24C2F6259}"/>
+              </a:ext>
+            </a:extLst>
+          </p:cNvPr>
+          <p:cNvCxnSpPr>
+            <a:cxnSpLocks/>
+          </p:cNvCxnSpPr>
+          <p:nvPr/>
+        </p:nvCxnSpPr>
+        <p:spPr>
+          <a:xfrm flipV="1">
+            <a:off x="2902140" y="3247756"/>
+            <a:ext cx="3151857" cy="10934"/>
+          </a:xfrm>
+          <a:prstGeom prst="straightConnector1">
+            <a:avLst/>
+          </a:prstGeom>
+          <a:ln w="19050">
+            <a:solidFill>
+              <a:srgbClr val="0070C0"/>
+            </a:solidFill>
+            <a:prstDash val="sysDash"/>
+            <a:headEnd type="arrow" w="med" len="med"/>
+            <a:tailEnd type="none" w="med" len="med"/>
+          </a:ln>
+        </p:spPr>
+        <p:style>
+          <a:lnRef idx="1">
+            <a:schemeClr val="accent1"/>
+          </a:lnRef>
+          <a:fillRef idx="0">
+            <a:schemeClr val="accent1"/>
+          </a:fillRef>
+          <a:effectRef idx="0">
+            <a:schemeClr val="accent1"/>
+          </a:effectRef>
+          <a:fontRef idx="minor">
+            <a:schemeClr val="tx1"/>
+          </a:fontRef>
+        </p:style>
+      </p:cxnSp>
+      <p:cxnSp>
+        <p:nvCxnSpPr>
+          <p:cNvPr id="126" name="Straight Connector 125">
+            <a:extLst>
+              <a:ext uri="{FF2B5EF4-FFF2-40B4-BE49-F238E27FC236}">
+                <a16:creationId xmlns:a16="http://schemas.microsoft.com/office/drawing/2014/main" id="{04626253-D9B2-47DA-9E06-5173D4A67182}"/>
+              </a:ext>
+            </a:extLst>
+          </p:cNvPr>
+          <p:cNvCxnSpPr>
+            <a:cxnSpLocks/>
+          </p:cNvCxnSpPr>
+          <p:nvPr/>
+        </p:nvCxnSpPr>
+        <p:spPr>
+          <a:xfrm>
+            <a:off x="6131201" y="3210224"/>
+            <a:ext cx="1174" cy="157173"/>
+          </a:xfrm>
+          <a:prstGeom prst="line">
+            <a:avLst/>
+          </a:prstGeom>
+          <a:ln w="19050">
+            <a:solidFill>
+              <a:srgbClr val="0070C0"/>
+            </a:solidFill>
+            <a:prstDash val="sysDash"/>
+          </a:ln>
+          <a:effectLst/>
+        </p:spPr>
+        <p:style>
+          <a:lnRef idx="1">
+            <a:schemeClr val="accent1"/>
+          </a:lnRef>
+          <a:fillRef idx="2">
+            <a:schemeClr val="accent1"/>
+          </a:fillRef>
+          <a:effectRef idx="1">
+            <a:schemeClr val="accent1"/>
+          </a:effectRef>
+          <a:fontRef idx="minor">
+            <a:schemeClr val="dk1"/>
           </a:fontRef>
         </p:style>
       </p:cxnSp>

--- a/docs/diagrams/CreateGroupSequenceDiagram.pptx
+++ b/docs/diagrams/CreateGroupSequenceDiagram.pptx
@@ -3526,51 +3526,6 @@
           <a:chExt cx="0" cy="0"/>
         </a:xfrm>
       </p:grpSpPr>
-      <p:cxnSp>
-        <p:nvCxnSpPr>
-          <p:cNvPr id="120" name="Straight Connector 119">
-            <a:extLst>
-              <a:ext uri="{FF2B5EF4-FFF2-40B4-BE49-F238E27FC236}">
-                <a16:creationId xmlns:a16="http://schemas.microsoft.com/office/drawing/2014/main" id="{B5977103-8497-4308-98CC-B02FB35A1D5F}"/>
-              </a:ext>
-            </a:extLst>
-          </p:cNvPr>
-          <p:cNvCxnSpPr>
-            <a:cxnSpLocks/>
-          </p:cNvCxnSpPr>
-          <p:nvPr/>
-        </p:nvCxnSpPr>
-        <p:spPr>
-          <a:xfrm flipH="1">
-            <a:off x="6132522" y="2677112"/>
-            <a:ext cx="12952" cy="680717"/>
-          </a:xfrm>
-          <a:prstGeom prst="line">
-            <a:avLst/>
-          </a:prstGeom>
-          <a:ln w="19050">
-            <a:solidFill>
-              <a:srgbClr val="0070C0"/>
-            </a:solidFill>
-            <a:prstDash val="sysDash"/>
-          </a:ln>
-          <a:effectLst/>
-        </p:spPr>
-        <p:style>
-          <a:lnRef idx="1">
-            <a:schemeClr val="accent1"/>
-          </a:lnRef>
-          <a:fillRef idx="2">
-            <a:schemeClr val="accent1"/>
-          </a:fillRef>
-          <a:effectRef idx="1">
-            <a:schemeClr val="accent1"/>
-          </a:effectRef>
-          <a:fontRef idx="minor">
-            <a:schemeClr val="dk1"/>
-          </a:fontRef>
-        </p:style>
-      </p:cxnSp>
       <p:sp>
         <p:nvSpPr>
           <p:cNvPr id="56" name="Rectangle 65"/>
@@ -3579,8 +3534,8 @@
         </p:nvSpPr>
         <p:spPr>
           <a:xfrm>
-            <a:off x="9241174" y="-914401"/>
-            <a:ext cx="4855223" cy="9503023"/>
+            <a:off x="6659789" y="-609600"/>
+            <a:ext cx="3918113" cy="6705600"/>
           </a:xfrm>
           <a:prstGeom prst="roundRect">
             <a:avLst>
@@ -3654,8 +3609,8 @@
         </p:nvSpPr>
         <p:spPr>
           <a:xfrm>
-            <a:off x="-2614437" y="-914399"/>
-            <a:ext cx="11901235" cy="9503022"/>
+            <a:off x="-2190972" y="-609600"/>
+            <a:ext cx="8847622" cy="6705600"/>
           </a:xfrm>
           <a:prstGeom prst="roundRect">
             <a:avLst>
@@ -3792,7 +3747,7 @@
         <p:spPr>
           <a:xfrm>
             <a:off x="-476808" y="-107177"/>
-            <a:ext cx="23267" cy="8296852"/>
+            <a:ext cx="10643" cy="6107027"/>
           </a:xfrm>
           <a:prstGeom prst="line">
             <a:avLst/>
@@ -3829,7 +3784,7 @@
         <p:spPr>
           <a:xfrm>
             <a:off x="-541955" y="107165"/>
-            <a:ext cx="119529" cy="7893822"/>
+            <a:ext cx="134393" cy="5737746"/>
           </a:xfrm>
           <a:prstGeom prst="rect">
             <a:avLst/>
@@ -3943,14 +3898,13 @@
           <p:cNvCxnSpPr>
             <a:cxnSpLocks/>
             <a:stCxn id="16" idx="2"/>
-            <a:endCxn id="18" idx="2"/>
           </p:cNvCxnSpPr>
           <p:nvPr/>
         </p:nvCxnSpPr>
         <p:spPr>
           <a:xfrm flipH="1">
-            <a:off x="1213616" y="13747"/>
-            <a:ext cx="21726" cy="4905119"/>
+            <a:off x="1224176" y="13747"/>
+            <a:ext cx="11166" cy="2549300"/>
           </a:xfrm>
           <a:prstGeom prst="line">
             <a:avLst/>
@@ -3986,8 +3940,8 @@
         </p:nvSpPr>
         <p:spPr>
           <a:xfrm>
-            <a:off x="1136764" y="339618"/>
-            <a:ext cx="153704" cy="4579248"/>
+            <a:off x="1169962" y="339618"/>
+            <a:ext cx="120505" cy="2106147"/>
           </a:xfrm>
           <a:prstGeom prst="rect">
             <a:avLst/>
@@ -4029,45 +3983,6 @@
           </a:p>
         </p:txBody>
       </p:sp>
-      <p:cxnSp>
-        <p:nvCxnSpPr>
-          <p:cNvPr id="20" name="Straight Connector 19"/>
-          <p:cNvCxnSpPr>
-            <a:cxnSpLocks/>
-          </p:cNvCxnSpPr>
-          <p:nvPr/>
-        </p:nvCxnSpPr>
-        <p:spPr>
-          <a:xfrm flipH="1">
-            <a:off x="6970653" y="3296639"/>
-            <a:ext cx="12952" cy="680717"/>
-          </a:xfrm>
-          <a:prstGeom prst="line">
-            <a:avLst/>
-          </a:prstGeom>
-          <a:ln w="19050">
-            <a:solidFill>
-              <a:srgbClr val="0070C0"/>
-            </a:solidFill>
-            <a:prstDash val="sysDash"/>
-          </a:ln>
-          <a:effectLst/>
-        </p:spPr>
-        <p:style>
-          <a:lnRef idx="1">
-            <a:schemeClr val="accent1"/>
-          </a:lnRef>
-          <a:fillRef idx="2">
-            <a:schemeClr val="accent1"/>
-          </a:fillRef>
-          <a:effectRef idx="1">
-            <a:schemeClr val="accent1"/>
-          </a:effectRef>
-          <a:fontRef idx="minor">
-            <a:schemeClr val="dk1"/>
-          </a:fontRef>
-        </p:style>
-      </p:cxnSp>
       <p:sp>
         <p:nvSpPr>
           <p:cNvPr id="21" name="Rectangle 20"/>
@@ -4076,7 +3991,7 @@
         </p:nvSpPr>
         <p:spPr>
           <a:xfrm>
-            <a:off x="8291618" y="4329238"/>
+            <a:off x="4241401" y="1838772"/>
             <a:ext cx="175511" cy="184666"/>
           </a:xfrm>
           <a:prstGeom prst="rect">
@@ -4160,7 +4075,7 @@
         <p:spPr>
           <a:xfrm>
             <a:off x="-2225913" y="142608"/>
-            <a:ext cx="1624103" cy="430887"/>
+            <a:ext cx="1624103" cy="646331"/>
           </a:xfrm>
           <a:prstGeom prst="rect">
             <a:avLst/>
@@ -4173,18 +4088,29 @@
           </a:bodyPr>
           <a:lstStyle/>
           <a:p>
-            <a:pPr algn="r"/>
+            <a:pPr algn="ctr"/>
             <a:r>
               <a:rPr lang="en-US" sz="1400" dirty="0">
                 <a:solidFill>
                   <a:srgbClr val="0070C0"/>
                 </a:solidFill>
               </a:rPr>
-              <a:t>execute(“creategroup </a:t>
-            </a:r>
-          </a:p>
-          <a:p>
-            <a:pPr algn="r"/>
+              <a:t>execute</a:t>
+            </a:r>
+          </a:p>
+          <a:p>
+            <a:pPr algn="ctr"/>
+            <a:r>
+              <a:rPr lang="en-US" sz="1400" dirty="0">
+                <a:solidFill>
+                  <a:srgbClr val="0070C0"/>
+                </a:solidFill>
+              </a:rPr>
+              <a:t>(“creategroup </a:t>
+            </a:r>
+          </a:p>
+          <a:p>
+            <a:pPr algn="ctr"/>
             <a:r>
               <a:rPr lang="en-US" sz="1400" dirty="0">
                 <a:solidFill>
@@ -4206,7 +4132,7 @@
         </p:nvCxnSpPr>
         <p:spPr>
           <a:xfrm>
-            <a:off x="1278681" y="1555900"/>
+            <a:off x="1276039" y="1548120"/>
             <a:ext cx="1492167" cy="0"/>
           </a:xfrm>
           <a:prstGeom prst="straightConnector1">
@@ -4242,7 +4168,7 @@
         </p:nvSpPr>
         <p:spPr>
           <a:xfrm>
-            <a:off x="3422266" y="4762653"/>
+            <a:off x="1400833" y="2616319"/>
             <a:ext cx="855809" cy="215444"/>
           </a:xfrm>
           <a:prstGeom prst="rect">
@@ -4276,46 +4202,6 @@
       </p:sp>
       <p:cxnSp>
         <p:nvCxnSpPr>
-          <p:cNvPr id="34" name="Straight Arrow Connector 33"/>
-          <p:cNvCxnSpPr>
-            <a:cxnSpLocks/>
-          </p:cNvCxnSpPr>
-          <p:nvPr/>
-        </p:nvCxnSpPr>
-        <p:spPr>
-          <a:xfrm flipV="1">
-            <a:off x="2910867" y="2684718"/>
-            <a:ext cx="2270710" cy="11534"/>
-          </a:xfrm>
-          <a:prstGeom prst="straightConnector1">
-            <a:avLst/>
-          </a:prstGeom>
-          <a:ln w="19050">
-            <a:solidFill>
-              <a:srgbClr val="0070C0"/>
-            </a:solidFill>
-            <a:prstDash val="sysDash"/>
-            <a:headEnd type="arrow" w="med" len="med"/>
-            <a:tailEnd type="none" w="med" len="med"/>
-          </a:ln>
-        </p:spPr>
-        <p:style>
-          <a:lnRef idx="1">
-            <a:schemeClr val="accent1"/>
-          </a:lnRef>
-          <a:fillRef idx="0">
-            <a:schemeClr val="accent1"/>
-          </a:fillRef>
-          <a:effectRef idx="0">
-            <a:schemeClr val="accent1"/>
-          </a:effectRef>
-          <a:fontRef idx="minor">
-            <a:schemeClr val="tx1"/>
-          </a:fontRef>
-        </p:style>
-      </p:cxnSp>
-      <p:cxnSp>
-        <p:nvCxnSpPr>
           <p:cNvPr id="35" name="Straight Arrow Connector 34"/>
           <p:cNvCxnSpPr>
             <a:cxnSpLocks/>
@@ -4324,7 +4210,7 @@
         </p:nvCxnSpPr>
         <p:spPr>
           <a:xfrm>
-            <a:off x="1287310" y="4725780"/>
+            <a:off x="1297747" y="2293760"/>
             <a:ext cx="1469627" cy="0"/>
           </a:xfrm>
           <a:prstGeom prst="straightConnector1">
@@ -4362,7 +4248,7 @@
         </p:nvCxnSpPr>
         <p:spPr>
           <a:xfrm>
-            <a:off x="-1804275" y="8000986"/>
+            <a:off x="-1753594" y="5844911"/>
             <a:ext cx="1196051" cy="0"/>
           </a:xfrm>
           <a:prstGeom prst="straightConnector1">
@@ -4400,7 +4286,7 @@
         </p:nvSpPr>
         <p:spPr>
           <a:xfrm>
-            <a:off x="8291618" y="4991315"/>
+            <a:off x="4226017" y="2819437"/>
             <a:ext cx="169437" cy="2781085"/>
           </a:xfrm>
           <a:prstGeom prst="rect">
@@ -4447,7 +4333,7 @@
         </p:nvSpPr>
         <p:spPr>
           <a:xfrm>
-            <a:off x="8199673" y="4897102"/>
+            <a:off x="4968919" y="2710953"/>
             <a:ext cx="1298078" cy="184666"/>
           </a:xfrm>
           <a:prstGeom prst="rect">
@@ -4527,9 +4413,17 @@
             </a:lvl1pPr>
           </a:lstStyle>
           <a:p>
+            <a:pPr algn="ctr"/>
             <a:r>
               <a:rPr lang="en-US" dirty="0"/>
-              <a:t>parseCommand(“creategroup n/CS1231 l/LT15”)</a:t>
+              <a:t>parseCommand</a:t>
+            </a:r>
+          </a:p>
+          <a:p>
+            <a:pPr algn="ctr"/>
+            <a:r>
+              <a:rPr lang="en-US" dirty="0"/>
+              <a:t>(“creategroup n/CS1231 l/LT15”)</a:t>
             </a:r>
           </a:p>
         </p:txBody>
@@ -4542,7 +4436,7 @@
         </p:nvSpPr>
         <p:spPr>
           <a:xfrm>
-            <a:off x="3377034" y="7519004"/>
+            <a:off x="1812695" y="5330488"/>
             <a:ext cx="621216" cy="215444"/>
           </a:xfrm>
           <a:prstGeom prst="rect">
@@ -4582,7 +4476,7 @@
         </p:nvSpPr>
         <p:spPr>
           <a:xfrm>
-            <a:off x="-1661814" y="7713200"/>
+            <a:off x="-1600591" y="5572448"/>
             <a:ext cx="762000" cy="215444"/>
           </a:xfrm>
           <a:prstGeom prst="rect">
@@ -4622,7 +4516,7 @@
         </p:nvSpPr>
         <p:spPr>
           <a:xfrm>
-            <a:off x="11348794" y="4625683"/>
+            <a:off x="7907750" y="2424152"/>
             <a:ext cx="2181777" cy="335427"/>
           </a:xfrm>
           <a:prstGeom prst="rect">
@@ -4681,8 +4575,8 @@
         </p:nvSpPr>
         <p:spPr>
           <a:xfrm>
-            <a:off x="10393702" y="5099791"/>
-            <a:ext cx="156359" cy="808825"/>
+            <a:off x="7075021" y="2970663"/>
+            <a:ext cx="163377" cy="565702"/>
           </a:xfrm>
           <a:prstGeom prst="rect">
             <a:avLst/>
@@ -4728,7 +4622,7 @@
         </p:nvSpPr>
         <p:spPr>
           <a:xfrm>
-            <a:off x="10103053" y="4635366"/>
+            <a:off x="6799691" y="2480972"/>
             <a:ext cx="841636" cy="300180"/>
           </a:xfrm>
           <a:prstGeom prst="rect">
@@ -4787,7 +4681,7 @@
         </p:nvSpPr>
         <p:spPr>
           <a:xfrm>
-            <a:off x="12295919" y="5254949"/>
+            <a:off x="8744757" y="3057217"/>
             <a:ext cx="163377" cy="346053"/>
           </a:xfrm>
           <a:prstGeom prst="rect">
@@ -4836,8 +4730,8 @@
         </p:nvCxnSpPr>
         <p:spPr>
           <a:xfrm>
-            <a:off x="8405107" y="5119498"/>
-            <a:ext cx="1977823" cy="0"/>
+            <a:off x="4395454" y="2971800"/>
+            <a:ext cx="2676950" cy="0"/>
           </a:xfrm>
           <a:prstGeom prst="straightConnector1">
             <a:avLst/>
@@ -4872,7 +4766,7 @@
         </p:nvSpPr>
         <p:spPr>
           <a:xfrm>
-            <a:off x="8241720" y="7808053"/>
+            <a:off x="4181143" y="5738240"/>
             <a:ext cx="258404" cy="261610"/>
           </a:xfrm>
           <a:prstGeom prst="rect">
@@ -4912,9 +4806,9 @@
           <p:nvPr/>
         </p:nvCxnSpPr>
         <p:spPr>
-          <a:xfrm flipV="1">
-            <a:off x="-428013" y="5010948"/>
-            <a:ext cx="8724467" cy="31462"/>
+          <a:xfrm>
+            <a:off x="-428013" y="2831763"/>
+            <a:ext cx="4625273" cy="0"/>
           </a:xfrm>
           <a:prstGeom prst="straightConnector1">
             <a:avLst/>
@@ -4958,7 +4852,7 @@
         <p:spPr>
           <a:xfrm>
             <a:off x="-428013" y="338710"/>
-            <a:ext cx="1565299" cy="0"/>
+            <a:ext cx="1597975" cy="908"/>
           </a:xfrm>
           <a:prstGeom prst="straightConnector1">
             <a:avLst/>
@@ -5001,8 +4895,8 @@
         </p:nvCxnSpPr>
         <p:spPr>
           <a:xfrm flipV="1">
-            <a:off x="2923142" y="4514259"/>
-            <a:ext cx="5372996" cy="25630"/>
+            <a:off x="2911014" y="2029211"/>
+            <a:ext cx="1376582" cy="1511"/>
           </a:xfrm>
           <a:prstGeom prst="straightConnector1">
             <a:avLst/>
@@ -5014,90 +4908,6 @@
             <a:prstDash val="sysDash"/>
             <a:headEnd type="arrow" w="med" len="med"/>
             <a:tailEnd type="none" w="med" len="med"/>
-          </a:ln>
-        </p:spPr>
-        <p:style>
-          <a:lnRef idx="1">
-            <a:schemeClr val="accent1"/>
-          </a:lnRef>
-          <a:fillRef idx="0">
-            <a:schemeClr val="accent1"/>
-          </a:fillRef>
-          <a:effectRef idx="0">
-            <a:schemeClr val="accent1"/>
-          </a:effectRef>
-          <a:fontRef idx="minor">
-            <a:schemeClr val="tx1"/>
-          </a:fontRef>
-        </p:style>
-      </p:cxnSp>
-      <p:sp>
-        <p:nvSpPr>
-          <p:cNvPr id="88" name="TextBox 87">
-            <a:extLst>
-              <a:ext uri="{FF2B5EF4-FFF2-40B4-BE49-F238E27FC236}">
-                <a16:creationId xmlns:a16="http://schemas.microsoft.com/office/drawing/2014/main" id="{B85C6184-7378-4E89-A338-72B1E5056F4F}"/>
-              </a:ext>
-            </a:extLst>
-          </p:cNvPr>
-          <p:cNvSpPr txBox="1"/>
-          <p:nvPr/>
-        </p:nvSpPr>
-        <p:spPr>
-          <a:xfrm>
-            <a:off x="10310511" y="3334946"/>
-            <a:ext cx="2120786" cy="184666"/>
-          </a:xfrm>
-          <a:prstGeom prst="rect">
-            <a:avLst/>
-          </a:prstGeom>
-          <a:noFill/>
-        </p:spPr>
-        <p:txBody>
-          <a:bodyPr wrap="square" lIns="0" tIns="0" rIns="0" bIns="0" rtlCol="0">
-            <a:spAutoFit/>
-          </a:bodyPr>
-          <a:lstStyle>
-            <a:defPPr>
-              <a:defRPr lang="en-US"/>
-            </a:defPPr>
-            <a:lvl1pPr algn="r">
-              <a:defRPr sz="1400">
-                <a:solidFill>
-                  <a:srgbClr val="0070C0"/>
-                </a:solidFill>
-              </a:defRPr>
-            </a:lvl1pPr>
-          </a:lstStyle>
-          <a:p>
-            <a:endParaRPr lang="en-US" sz="1200" dirty="0"/>
-          </a:p>
-        </p:txBody>
-      </p:sp>
-      <p:cxnSp>
-        <p:nvCxnSpPr>
-          <p:cNvPr id="13" name="Curved Connector 12"/>
-          <p:cNvCxnSpPr>
-            <a:cxnSpLocks/>
-          </p:cNvCxnSpPr>
-          <p:nvPr/>
-        </p:nvCxnSpPr>
-        <p:spPr>
-          <a:xfrm rot="16200000" flipH="1">
-            <a:off x="12387068" y="6333839"/>
-            <a:ext cx="156923" cy="76200"/>
-          </a:xfrm>
-          <a:prstGeom prst="curvedConnector4">
-            <a:avLst>
-              <a:gd name="adj1" fmla="val -66472"/>
-              <a:gd name="adj2" fmla="val 355243"/>
-            </a:avLst>
-          </a:prstGeom>
-          <a:ln>
-            <a:solidFill>
-              <a:srgbClr val="7030A0"/>
-            </a:solidFill>
-            <a:tailEnd type="triangle"/>
           </a:ln>
         </p:spPr>
         <p:style>
@@ -5125,8 +4935,8 @@
         </p:nvCxnSpPr>
         <p:spPr>
           <a:xfrm>
-            <a:off x="10572810" y="5270153"/>
-            <a:ext cx="1723109" cy="0"/>
+            <a:off x="7220509" y="3069936"/>
+            <a:ext cx="1521631" cy="0"/>
           </a:xfrm>
           <a:prstGeom prst="straightConnector1">
             <a:avLst/>
@@ -5169,7 +4979,7 @@
         </p:nvCxnSpPr>
         <p:spPr>
           <a:xfrm>
-            <a:off x="10572810" y="6557278"/>
+            <a:off x="7262255" y="4287483"/>
             <a:ext cx="1645879" cy="0"/>
           </a:xfrm>
           <a:prstGeom prst="straightConnector1">
@@ -5292,8 +5102,8 @@
         </p:nvCxnSpPr>
         <p:spPr>
           <a:xfrm flipH="1">
-            <a:off x="2822647" y="731979"/>
-            <a:ext cx="27694" cy="4722503"/>
+            <a:off x="2828768" y="731979"/>
+            <a:ext cx="21573" cy="1802375"/>
           </a:xfrm>
           <a:prstGeom prst="line">
             <a:avLst/>
@@ -5335,8 +5145,8 @@
         </p:nvSpPr>
         <p:spPr>
           <a:xfrm>
-            <a:off x="1287310" y="1092837"/>
-            <a:ext cx="1302767" cy="430887"/>
+            <a:off x="1285024" y="898437"/>
+            <a:ext cx="1302767" cy="646331"/>
           </a:xfrm>
           <a:prstGeom prst="rect">
             <a:avLst/>
@@ -5360,12 +5170,21 @@
             </a:lvl1pPr>
           </a:lstStyle>
           <a:p>
+            <a:pPr algn="ctr"/>
             <a:r>
               <a:rPr lang="en-US" dirty="0"/>
-              <a:t>parse(“n/CS1231 </a:t>
-            </a:r>
-          </a:p>
-          <a:p>
+              <a:t>parse</a:t>
+            </a:r>
+          </a:p>
+          <a:p>
+            <a:pPr algn="ctr"/>
+            <a:r>
+              <a:rPr lang="en-US" dirty="0"/>
+              <a:t>(“n/CS1231 </a:t>
+            </a:r>
+          </a:p>
+          <a:p>
+            <a:pPr algn="ctr"/>
             <a:r>
               <a:rPr lang="en-US" dirty="0"/>
               <a:t>l/LT15”)</a:t>
@@ -5387,8 +5206,8 @@
         </p:nvSpPr>
         <p:spPr>
           <a:xfrm>
-            <a:off x="2756937" y="1533637"/>
-            <a:ext cx="166521" cy="3182917"/>
+            <a:off x="2756937" y="1533638"/>
+            <a:ext cx="166521" cy="760122"/>
           </a:xfrm>
           <a:prstGeom prst="rect">
             <a:avLst/>
@@ -5432,10 +5251,10 @@
       </p:sp>
       <p:cxnSp>
         <p:nvCxnSpPr>
-          <p:cNvPr id="57" name="Straight Arrow Connector 56">
+          <p:cNvPr id="123" name="Straight Arrow Connector 122">
             <a:extLst>
               <a:ext uri="{FF2B5EF4-FFF2-40B4-BE49-F238E27FC236}">
-                <a16:creationId xmlns:a16="http://schemas.microsoft.com/office/drawing/2014/main" id="{4225682F-98B6-4478-996F-3E3DDC5D1083}"/>
+                <a16:creationId xmlns:a16="http://schemas.microsoft.com/office/drawing/2014/main" id="{EDD4BEDA-1308-4648-9ED6-C3151C8E5B30}"/>
               </a:ext>
             </a:extLst>
           </p:cNvPr>
@@ -5445,9 +5264,9 @@
           <p:nvPr/>
         </p:nvCxnSpPr>
         <p:spPr>
-          <a:xfrm>
-            <a:off x="2923458" y="1720657"/>
-            <a:ext cx="1114881" cy="0"/>
+          <a:xfrm flipV="1">
+            <a:off x="2902140" y="1587215"/>
+            <a:ext cx="762368" cy="1"/>
           </a:xfrm>
           <a:prstGeom prst="straightConnector1">
             <a:avLst/>
@@ -5476,10 +5295,10 @@
       </p:cxnSp>
       <p:sp>
         <p:nvSpPr>
-          <p:cNvPr id="58" name="Rectangle 62">
+          <p:cNvPr id="125" name="Rectangle 62">
             <a:extLst>
               <a:ext uri="{FF2B5EF4-FFF2-40B4-BE49-F238E27FC236}">
-                <a16:creationId xmlns:a16="http://schemas.microsoft.com/office/drawing/2014/main" id="{13294C0E-13DC-4491-9662-2470175D7BE2}"/>
+                <a16:creationId xmlns:a16="http://schemas.microsoft.com/office/drawing/2014/main" id="{3A2616FE-04E1-4F86-BB67-0C8263E97B3E}"/>
               </a:ext>
             </a:extLst>
           </p:cNvPr>
@@ -5488,8 +5307,8 @@
         </p:nvSpPr>
         <p:spPr>
           <a:xfrm>
-            <a:off x="4045581" y="1508188"/>
-            <a:ext cx="903155" cy="429468"/>
+            <a:off x="3656180" y="1318879"/>
+            <a:ext cx="1426604" cy="536672"/>
           </a:xfrm>
           <a:prstGeom prst="rect">
             <a:avLst/>
@@ -5529,7 +5348,7 @@
                   <a:schemeClr val="bg1"/>
                 </a:solidFill>
               </a:rPr>
-              <a:t>n:GroupName</a:t>
+              <a:t>c:CreateGroupCommand</a:t>
             </a:r>
             <a:endParaRPr lang="en-SG" sz="1600" dirty="0">
               <a:solidFill>
@@ -5539,168 +5358,25 @@
           </a:p>
         </p:txBody>
       </p:sp>
-      <p:sp>
-        <p:nvSpPr>
-          <p:cNvPr id="59" name="Rectangle 58">
+      <p:cxnSp>
+        <p:nvCxnSpPr>
+          <p:cNvPr id="128" name="Straight Connector 127">
             <a:extLst>
               <a:ext uri="{FF2B5EF4-FFF2-40B4-BE49-F238E27FC236}">
-                <a16:creationId xmlns:a16="http://schemas.microsoft.com/office/drawing/2014/main" id="{F8AA37F5-3CBC-4597-BC12-335F6C00134D}"/>
-              </a:ext>
-            </a:extLst>
-          </p:cNvPr>
-          <p:cNvSpPr/>
-          <p:nvPr/>
-        </p:nvSpPr>
-        <p:spPr>
-          <a:xfrm>
-            <a:off x="4484488" y="1941832"/>
-            <a:ext cx="154408" cy="144660"/>
-          </a:xfrm>
-          <a:prstGeom prst="rect">
-            <a:avLst/>
-          </a:prstGeom>
-          <a:solidFill>
-            <a:srgbClr val="0070C0"/>
-          </a:solidFill>
-          <a:ln>
-            <a:solidFill>
-              <a:srgbClr val="0070C0"/>
-            </a:solidFill>
-          </a:ln>
-          <a:effectLst/>
-        </p:spPr>
-        <p:style>
-          <a:lnRef idx="1">
-            <a:schemeClr val="accent3"/>
-          </a:lnRef>
-          <a:fillRef idx="2">
-            <a:schemeClr val="accent3"/>
-          </a:fillRef>
-          <a:effectRef idx="1">
-            <a:schemeClr val="accent3"/>
-          </a:effectRef>
-          <a:fontRef idx="minor">
-            <a:schemeClr val="dk1"/>
-          </a:fontRef>
-        </p:style>
-        <p:txBody>
-          <a:bodyPr rtlCol="0" anchor="ctr"/>
-          <a:lstStyle/>
-          <a:p>
-            <a:pPr algn="ctr"/>
-            <a:endParaRPr lang="en-SG" sz="1400"/>
-          </a:p>
-        </p:txBody>
-      </p:sp>
-      <p:cxnSp>
-        <p:nvCxnSpPr>
-          <p:cNvPr id="62" name="Straight Arrow Connector 61">
-            <a:extLst>
-              <a:ext uri="{FF2B5EF4-FFF2-40B4-BE49-F238E27FC236}">
-                <a16:creationId xmlns:a16="http://schemas.microsoft.com/office/drawing/2014/main" id="{06143033-13B0-4512-B215-241FC603F2E8}"/>
+                <a16:creationId xmlns:a16="http://schemas.microsoft.com/office/drawing/2014/main" id="{A93A8016-2BA2-4196-B052-0E317108D42E}"/>
               </a:ext>
             </a:extLst>
           </p:cNvPr>
           <p:cNvCxnSpPr>
             <a:cxnSpLocks/>
-            <a:endCxn id="59" idx="2"/>
+            <a:endCxn id="4" idx="0"/>
           </p:cNvCxnSpPr>
           <p:nvPr/>
         </p:nvCxnSpPr>
         <p:spPr>
-          <a:xfrm>
-            <a:off x="2910867" y="2086492"/>
-            <a:ext cx="1650825" cy="0"/>
-          </a:xfrm>
-          <a:prstGeom prst="straightConnector1">
-            <a:avLst/>
-          </a:prstGeom>
-          <a:ln w="19050">
-            <a:solidFill>
-              <a:srgbClr val="0070C0"/>
-            </a:solidFill>
-            <a:prstDash val="sysDash"/>
-            <a:headEnd type="arrow" w="med" len="med"/>
-            <a:tailEnd type="none" w="med" len="med"/>
-          </a:ln>
-        </p:spPr>
-        <p:style>
-          <a:lnRef idx="1">
-            <a:schemeClr val="accent1"/>
-          </a:lnRef>
-          <a:fillRef idx="0">
-            <a:schemeClr val="accent1"/>
-          </a:fillRef>
-          <a:effectRef idx="0">
-            <a:schemeClr val="accent1"/>
-          </a:effectRef>
-          <a:fontRef idx="minor">
-            <a:schemeClr val="tx1"/>
-          </a:fontRef>
-        </p:style>
-      </p:cxnSp>
-      <p:cxnSp>
-        <p:nvCxnSpPr>
-          <p:cNvPr id="73" name="Straight Arrow Connector 72">
-            <a:extLst>
-              <a:ext uri="{FF2B5EF4-FFF2-40B4-BE49-F238E27FC236}">
-                <a16:creationId xmlns:a16="http://schemas.microsoft.com/office/drawing/2014/main" id="{737C2DF5-DEDF-48E6-8897-DD5E77D4D199}"/>
-              </a:ext>
-            </a:extLst>
-          </p:cNvPr>
-          <p:cNvCxnSpPr>
-            <a:cxnSpLocks/>
-          </p:cNvCxnSpPr>
-          <p:nvPr/>
-        </p:nvCxnSpPr>
-        <p:spPr>
-          <a:xfrm>
-            <a:off x="2878675" y="2322924"/>
-            <a:ext cx="1921925" cy="0"/>
-          </a:xfrm>
-          <a:prstGeom prst="straightConnector1">
-            <a:avLst/>
-          </a:prstGeom>
-          <a:ln w="19050">
-            <a:solidFill>
-              <a:srgbClr val="0070C0"/>
-            </a:solidFill>
-            <a:tailEnd type="arrow"/>
-          </a:ln>
-        </p:spPr>
-        <p:style>
-          <a:lnRef idx="1">
-            <a:schemeClr val="accent1"/>
-          </a:lnRef>
-          <a:fillRef idx="0">
-            <a:schemeClr val="accent1"/>
-          </a:fillRef>
-          <a:effectRef idx="0">
-            <a:schemeClr val="accent1"/>
-          </a:effectRef>
-          <a:fontRef idx="minor">
-            <a:schemeClr val="tx1"/>
-          </a:fontRef>
-        </p:style>
-      </p:cxnSp>
-      <p:cxnSp>
-        <p:nvCxnSpPr>
-          <p:cNvPr id="75" name="Straight Connector 74">
-            <a:extLst>
-              <a:ext uri="{FF2B5EF4-FFF2-40B4-BE49-F238E27FC236}">
-                <a16:creationId xmlns:a16="http://schemas.microsoft.com/office/drawing/2014/main" id="{3E28EB19-3F14-4347-9164-D6E0D2D07A3F}"/>
-              </a:ext>
-            </a:extLst>
-          </p:cNvPr>
-          <p:cNvCxnSpPr>
-            <a:cxnSpLocks/>
-          </p:cNvCxnSpPr>
-          <p:nvPr/>
-        </p:nvCxnSpPr>
-        <p:spPr>
-          <a:xfrm>
-            <a:off x="4560909" y="2097362"/>
-            <a:ext cx="783" cy="141507"/>
+          <a:xfrm flipH="1">
+            <a:off x="4310345" y="1831488"/>
+            <a:ext cx="21242" cy="3906752"/>
           </a:xfrm>
           <a:prstGeom prst="line">
             <a:avLst/>
@@ -5730,122 +5406,10 @@
       </p:cxnSp>
       <p:sp>
         <p:nvSpPr>
-          <p:cNvPr id="19" name="Rectangle 62"/>
-          <p:cNvSpPr/>
-          <p:nvPr/>
-        </p:nvSpPr>
-        <p:spPr>
-          <a:xfrm>
-            <a:off x="6514814" y="3243919"/>
-            <a:ext cx="953811" cy="461538"/>
-          </a:xfrm>
-          <a:prstGeom prst="rect">
-            <a:avLst/>
-          </a:prstGeom>
-          <a:solidFill>
-            <a:srgbClr val="0070C0"/>
-          </a:solidFill>
-          <a:ln w="19050">
-            <a:solidFill>
-              <a:srgbClr val="0070C0"/>
-            </a:solidFill>
-          </a:ln>
-          <a:effectLst/>
-        </p:spPr>
-        <p:style>
-          <a:lnRef idx="1">
-            <a:schemeClr val="accent2"/>
-          </a:lnRef>
-          <a:fillRef idx="2">
-            <a:schemeClr val="accent2"/>
-          </a:fillRef>
-          <a:effectRef idx="1">
-            <a:schemeClr val="accent2"/>
-          </a:effectRef>
-          <a:fontRef idx="minor">
-            <a:schemeClr val="dk1"/>
-          </a:fontRef>
-        </p:style>
-        <p:txBody>
-          <a:bodyPr rtlCol="0" anchor="ctr"/>
-          <a:lstStyle/>
-          <a:p>
-            <a:pPr algn="ctr"/>
-            <a:r>
-              <a:rPr lang="en-US" sz="1600" dirty="0">
-                <a:solidFill>
-                  <a:schemeClr val="bg1"/>
-                </a:solidFill>
-              </a:rPr>
-              <a:t>g:Group</a:t>
-            </a:r>
-            <a:endParaRPr lang="en-SG" sz="1600" dirty="0">
-              <a:solidFill>
-                <a:schemeClr val="bg1"/>
-              </a:solidFill>
-            </a:endParaRPr>
-          </a:p>
-        </p:txBody>
-      </p:sp>
-      <p:sp>
-        <p:nvSpPr>
-          <p:cNvPr id="78" name="Rectangle 77">
+          <p:cNvPr id="132" name="TextBox 131">
             <a:extLst>
               <a:ext uri="{FF2B5EF4-FFF2-40B4-BE49-F238E27FC236}">
-                <a16:creationId xmlns:a16="http://schemas.microsoft.com/office/drawing/2014/main" id="{FBAC300D-4355-493D-8F8D-66FEA3E1F412}"/>
-              </a:ext>
-            </a:extLst>
-          </p:cNvPr>
-          <p:cNvSpPr/>
-          <p:nvPr/>
-        </p:nvSpPr>
-        <p:spPr>
-          <a:xfrm>
-            <a:off x="6899672" y="3706287"/>
-            <a:ext cx="141963" cy="131830"/>
-          </a:xfrm>
-          <a:prstGeom prst="rect">
-            <a:avLst/>
-          </a:prstGeom>
-          <a:solidFill>
-            <a:srgbClr val="0070C0"/>
-          </a:solidFill>
-          <a:ln>
-            <a:solidFill>
-              <a:srgbClr val="0070C0"/>
-            </a:solidFill>
-          </a:ln>
-          <a:effectLst/>
-        </p:spPr>
-        <p:style>
-          <a:lnRef idx="1">
-            <a:schemeClr val="accent3"/>
-          </a:lnRef>
-          <a:fillRef idx="2">
-            <a:schemeClr val="accent3"/>
-          </a:fillRef>
-          <a:effectRef idx="1">
-            <a:schemeClr val="accent3"/>
-          </a:effectRef>
-          <a:fontRef idx="minor">
-            <a:schemeClr val="dk1"/>
-          </a:fontRef>
-        </p:style>
-        <p:txBody>
-          <a:bodyPr rtlCol="0" anchor="ctr"/>
-          <a:lstStyle/>
-          <a:p>
-            <a:pPr algn="ctr"/>
-            <a:endParaRPr lang="en-SG" sz="1400"/>
-          </a:p>
-        </p:txBody>
-      </p:sp>
-      <p:sp>
-        <p:nvSpPr>
-          <p:cNvPr id="94" name="TextBox 93">
-            <a:extLst>
-              <a:ext uri="{FF2B5EF4-FFF2-40B4-BE49-F238E27FC236}">
-                <a16:creationId xmlns:a16="http://schemas.microsoft.com/office/drawing/2014/main" id="{7E5CC5F0-A54B-4BDF-8A00-628D1BED1F4D}"/>
+                <a16:creationId xmlns:a16="http://schemas.microsoft.com/office/drawing/2014/main" id="{5B36CA47-36CF-4B54-92D7-72453E24F63A}"/>
               </a:ext>
             </a:extLst>
           </p:cNvPr>
@@ -5854,8 +5418,8 @@
         </p:nvSpPr>
         <p:spPr>
           <a:xfrm>
-            <a:off x="2922316" y="1522826"/>
-            <a:ext cx="903155" cy="430887"/>
+            <a:off x="236490" y="2186038"/>
+            <a:ext cx="220343" cy="215444"/>
           </a:xfrm>
           <a:prstGeom prst="rect">
             <a:avLst/>
@@ -5881,17 +5445,63 @@
           <a:p>
             <a:r>
               <a:rPr lang="en-US" dirty="0"/>
-              <a:t>GroupName(“CS1231”)</a:t>
-            </a:r>
-          </a:p>
-        </p:txBody>
-      </p:sp>
-      <p:sp>
-        <p:nvSpPr>
-          <p:cNvPr id="100" name="TextBox 99">
+              <a:t>c</a:t>
+            </a:r>
+          </a:p>
+        </p:txBody>
+      </p:sp>
+      <p:cxnSp>
+        <p:nvCxnSpPr>
+          <p:cNvPr id="133" name="Straight Arrow Connector 132">
             <a:extLst>
               <a:ext uri="{FF2B5EF4-FFF2-40B4-BE49-F238E27FC236}">
-                <a16:creationId xmlns:a16="http://schemas.microsoft.com/office/drawing/2014/main" id="{D2332033-0DBE-41ED-B680-B960107FD30F}"/>
+                <a16:creationId xmlns:a16="http://schemas.microsoft.com/office/drawing/2014/main" id="{19DDEF1A-58FB-47FF-B9B9-A7AD79969B1C}"/>
+              </a:ext>
+            </a:extLst>
+          </p:cNvPr>
+          <p:cNvCxnSpPr>
+            <a:cxnSpLocks/>
+          </p:cNvCxnSpPr>
+          <p:nvPr/>
+        </p:nvCxnSpPr>
+        <p:spPr>
+          <a:xfrm>
+            <a:off x="-396339" y="2445765"/>
+            <a:ext cx="1533625" cy="0"/>
+          </a:xfrm>
+          <a:prstGeom prst="straightConnector1">
+            <a:avLst/>
+          </a:prstGeom>
+          <a:ln w="19050">
+            <a:solidFill>
+              <a:srgbClr val="0070C0"/>
+            </a:solidFill>
+            <a:prstDash val="sysDash"/>
+            <a:headEnd type="arrow" w="med" len="med"/>
+            <a:tailEnd type="none" w="med" len="med"/>
+          </a:ln>
+        </p:spPr>
+        <p:style>
+          <a:lnRef idx="1">
+            <a:schemeClr val="accent1"/>
+          </a:lnRef>
+          <a:fillRef idx="0">
+            <a:schemeClr val="accent1"/>
+          </a:fillRef>
+          <a:effectRef idx="0">
+            <a:schemeClr val="accent1"/>
+          </a:effectRef>
+          <a:fontRef idx="minor">
+            <a:schemeClr val="tx1"/>
+          </a:fontRef>
+        </p:style>
+      </p:cxnSp>
+      <p:sp>
+        <p:nvSpPr>
+          <p:cNvPr id="146" name="TextBox 145">
+            <a:extLst>
+              <a:ext uri="{FF2B5EF4-FFF2-40B4-BE49-F238E27FC236}">
+                <a16:creationId xmlns:a16="http://schemas.microsoft.com/office/drawing/2014/main" id="{E2B8286A-DEB5-4CEE-BF48-8D160A9A3614}"/>
               </a:ext>
             </a:extLst>
           </p:cNvPr>
@@ -5900,8 +5510,8 @@
         </p:nvSpPr>
         <p:spPr>
           <a:xfrm>
-            <a:off x="2971376" y="2122940"/>
-            <a:ext cx="1114881" cy="430887"/>
+            <a:off x="8593941" y="2927517"/>
+            <a:ext cx="1298078" cy="184666"/>
           </a:xfrm>
           <a:prstGeom prst="rect">
             <a:avLst/>
@@ -5926,237 +5536,33 @@
           </a:lstStyle>
           <a:p>
             <a:r>
-              <a:rPr lang="en-US" dirty="0"/>
-              <a:t>GroupLocation(“LT15”)</a:t>
-            </a:r>
-          </a:p>
-        </p:txBody>
-      </p:sp>
-      <p:sp>
-        <p:nvSpPr>
-          <p:cNvPr id="105" name="Rectangle 62">
+              <a:rPr lang="en-US" sz="1200" dirty="0">
+                <a:solidFill>
+                  <a:schemeClr val="accent4">
+                    <a:lumMod val="75000"/>
+                  </a:schemeClr>
+                </a:solidFill>
+              </a:rPr>
+              <a:t>hasGroup</a:t>
+            </a:r>
+            <a:r>
+              <a:rPr lang="en-US" sz="1200" dirty="0">
+                <a:solidFill>
+                  <a:srgbClr val="7030A0"/>
+                </a:solidFill>
+              </a:rPr>
+              <a:t>(g)</a:t>
+            </a:r>
+            <a:endParaRPr lang="en-US" sz="1200" dirty="0"/>
+          </a:p>
+        </p:txBody>
+      </p:sp>
+      <p:sp>
+        <p:nvSpPr>
+          <p:cNvPr id="149" name="TextBox 148">
             <a:extLst>
               <a:ext uri="{FF2B5EF4-FFF2-40B4-BE49-F238E27FC236}">
-                <a16:creationId xmlns:a16="http://schemas.microsoft.com/office/drawing/2014/main" id="{D94CD619-C647-4FF0-814B-2A9B3808B23D}"/>
-              </a:ext>
-            </a:extLst>
-          </p:cNvPr>
-          <p:cNvSpPr/>
-          <p:nvPr/>
-        </p:nvSpPr>
-        <p:spPr>
-          <a:xfrm>
-            <a:off x="4800600" y="2102873"/>
-            <a:ext cx="895476" cy="429468"/>
-          </a:xfrm>
-          <a:prstGeom prst="rect">
-            <a:avLst/>
-          </a:prstGeom>
-          <a:solidFill>
-            <a:srgbClr val="0070C0"/>
-          </a:solidFill>
-          <a:ln w="19050">
-            <a:solidFill>
-              <a:srgbClr val="0070C0"/>
-            </a:solidFill>
-          </a:ln>
-          <a:effectLst/>
-        </p:spPr>
-        <p:style>
-          <a:lnRef idx="1">
-            <a:schemeClr val="accent2"/>
-          </a:lnRef>
-          <a:fillRef idx="2">
-            <a:schemeClr val="accent2"/>
-          </a:fillRef>
-          <a:effectRef idx="1">
-            <a:schemeClr val="accent2"/>
-          </a:effectRef>
-          <a:fontRef idx="minor">
-            <a:schemeClr val="dk1"/>
-          </a:fontRef>
-        </p:style>
-        <p:txBody>
-          <a:bodyPr rtlCol="0" anchor="ctr"/>
-          <a:lstStyle/>
-          <a:p>
-            <a:pPr algn="ctr"/>
-            <a:r>
-              <a:rPr lang="en-US" sz="1600" dirty="0">
-                <a:solidFill>
-                  <a:schemeClr val="bg1"/>
-                </a:solidFill>
-              </a:rPr>
-              <a:t>l:Group</a:t>
-            </a:r>
-          </a:p>
-          <a:p>
-            <a:pPr algn="ctr"/>
-            <a:r>
-              <a:rPr lang="en-US" sz="1600" dirty="0">
-                <a:solidFill>
-                  <a:schemeClr val="bg1"/>
-                </a:solidFill>
-              </a:rPr>
-              <a:t>Location</a:t>
-            </a:r>
-            <a:endParaRPr lang="en-SG" sz="1600" dirty="0">
-              <a:solidFill>
-                <a:schemeClr val="bg1"/>
-              </a:solidFill>
-            </a:endParaRPr>
-          </a:p>
-        </p:txBody>
-      </p:sp>
-      <p:sp>
-        <p:nvSpPr>
-          <p:cNvPr id="108" name="Rectangle 107">
-            <a:extLst>
-              <a:ext uri="{FF2B5EF4-FFF2-40B4-BE49-F238E27FC236}">
-                <a16:creationId xmlns:a16="http://schemas.microsoft.com/office/drawing/2014/main" id="{BE63D2E1-3F1D-4903-AFDB-1C6ABED15493}"/>
-              </a:ext>
-            </a:extLst>
-          </p:cNvPr>
-          <p:cNvSpPr/>
-          <p:nvPr/>
-        </p:nvSpPr>
-        <p:spPr>
-          <a:xfrm>
-            <a:off x="5161054" y="2529188"/>
-            <a:ext cx="154408" cy="144660"/>
-          </a:xfrm>
-          <a:prstGeom prst="rect">
-            <a:avLst/>
-          </a:prstGeom>
-          <a:solidFill>
-            <a:srgbClr val="0070C0"/>
-          </a:solidFill>
-          <a:ln>
-            <a:solidFill>
-              <a:srgbClr val="0070C0"/>
-            </a:solidFill>
-          </a:ln>
-          <a:effectLst/>
-        </p:spPr>
-        <p:style>
-          <a:lnRef idx="1">
-            <a:schemeClr val="accent3"/>
-          </a:lnRef>
-          <a:fillRef idx="2">
-            <a:schemeClr val="accent3"/>
-          </a:fillRef>
-          <a:effectRef idx="1">
-            <a:schemeClr val="accent3"/>
-          </a:effectRef>
-          <a:fontRef idx="minor">
-            <a:schemeClr val="dk1"/>
-          </a:fontRef>
-        </p:style>
-        <p:txBody>
-          <a:bodyPr rtlCol="0" anchor="ctr"/>
-          <a:lstStyle/>
-          <a:p>
-            <a:pPr algn="ctr"/>
-            <a:endParaRPr lang="en-SG" sz="1400"/>
-          </a:p>
-        </p:txBody>
-      </p:sp>
-      <p:cxnSp>
-        <p:nvCxnSpPr>
-          <p:cNvPr id="112" name="Straight Arrow Connector 111">
-            <a:extLst>
-              <a:ext uri="{FF2B5EF4-FFF2-40B4-BE49-F238E27FC236}">
-                <a16:creationId xmlns:a16="http://schemas.microsoft.com/office/drawing/2014/main" id="{1E2E5A47-924A-4BBC-AD26-CA18EEB42D53}"/>
-              </a:ext>
-            </a:extLst>
-          </p:cNvPr>
-          <p:cNvCxnSpPr>
-            <a:cxnSpLocks/>
-          </p:cNvCxnSpPr>
-          <p:nvPr/>
-        </p:nvCxnSpPr>
-        <p:spPr>
-          <a:xfrm flipV="1">
-            <a:off x="2861475" y="3480443"/>
-            <a:ext cx="3655047" cy="8390"/>
-          </a:xfrm>
-          <a:prstGeom prst="straightConnector1">
-            <a:avLst/>
-          </a:prstGeom>
-          <a:ln w="19050">
-            <a:solidFill>
-              <a:srgbClr val="0070C0"/>
-            </a:solidFill>
-            <a:tailEnd type="arrow"/>
-          </a:ln>
-        </p:spPr>
-        <p:style>
-          <a:lnRef idx="1">
-            <a:schemeClr val="accent1"/>
-          </a:lnRef>
-          <a:fillRef idx="0">
-            <a:schemeClr val="accent1"/>
-          </a:fillRef>
-          <a:effectRef idx="0">
-            <a:schemeClr val="accent1"/>
-          </a:effectRef>
-          <a:fontRef idx="minor">
-            <a:schemeClr val="tx1"/>
-          </a:fontRef>
-        </p:style>
-      </p:cxnSp>
-      <p:cxnSp>
-        <p:nvCxnSpPr>
-          <p:cNvPr id="119" name="Straight Arrow Connector 118">
-            <a:extLst>
-              <a:ext uri="{FF2B5EF4-FFF2-40B4-BE49-F238E27FC236}">
-                <a16:creationId xmlns:a16="http://schemas.microsoft.com/office/drawing/2014/main" id="{E916C7E3-0BF8-4089-8C77-CE44FDD9125A}"/>
-              </a:ext>
-            </a:extLst>
-          </p:cNvPr>
-          <p:cNvCxnSpPr>
-            <a:cxnSpLocks/>
-          </p:cNvCxnSpPr>
-          <p:nvPr/>
-        </p:nvCxnSpPr>
-        <p:spPr>
-          <a:xfrm flipV="1">
-            <a:off x="2924460" y="3839026"/>
-            <a:ext cx="4051399" cy="8145"/>
-          </a:xfrm>
-          <a:prstGeom prst="straightConnector1">
-            <a:avLst/>
-          </a:prstGeom>
-          <a:ln w="19050">
-            <a:solidFill>
-              <a:srgbClr val="0070C0"/>
-            </a:solidFill>
-            <a:prstDash val="sysDash"/>
-            <a:headEnd type="arrow" w="med" len="med"/>
-            <a:tailEnd type="none" w="med" len="med"/>
-          </a:ln>
-        </p:spPr>
-        <p:style>
-          <a:lnRef idx="1">
-            <a:schemeClr val="accent1"/>
-          </a:lnRef>
-          <a:fillRef idx="0">
-            <a:schemeClr val="accent1"/>
-          </a:fillRef>
-          <a:effectRef idx="0">
-            <a:schemeClr val="accent1"/>
-          </a:effectRef>
-          <a:fontRef idx="minor">
-            <a:schemeClr val="tx1"/>
-          </a:fontRef>
-        </p:style>
-      </p:cxnSp>
-      <p:sp>
-        <p:nvSpPr>
-          <p:cNvPr id="121" name="TextBox 120">
-            <a:extLst>
-              <a:ext uri="{FF2B5EF4-FFF2-40B4-BE49-F238E27FC236}">
-                <a16:creationId xmlns:a16="http://schemas.microsoft.com/office/drawing/2014/main" id="{CF020CBB-D9E8-405A-9144-5062A060456B}"/>
+                <a16:creationId xmlns:a16="http://schemas.microsoft.com/office/drawing/2014/main" id="{1FB37488-218B-47EF-9D16-7E2BD691A674}"/>
               </a:ext>
             </a:extLst>
           </p:cNvPr>
@@ -6165,8 +5571,8 @@
         </p:nvSpPr>
         <p:spPr>
           <a:xfrm>
-            <a:off x="4278075" y="3247756"/>
-            <a:ext cx="863378" cy="215444"/>
+            <a:off x="7446751" y="2852834"/>
+            <a:ext cx="972990" cy="184666"/>
           </a:xfrm>
           <a:prstGeom prst="rect">
             <a:avLst/>
@@ -6191,127 +5597,23 @@
           </a:lstStyle>
           <a:p>
             <a:r>
-              <a:rPr lang="en-US" dirty="0"/>
-              <a:t>Group(n,l,t)</a:t>
-            </a:r>
-          </a:p>
-        </p:txBody>
-      </p:sp>
-      <p:cxnSp>
-        <p:nvCxnSpPr>
-          <p:cNvPr id="123" name="Straight Arrow Connector 122">
+              <a:rPr lang="en-US" sz="1200" dirty="0">
+                <a:solidFill>
+                  <a:srgbClr val="7030A0"/>
+                </a:solidFill>
+              </a:rPr>
+              <a:t>hasGroup(g)</a:t>
+            </a:r>
+            <a:endParaRPr lang="en-US" sz="1200" dirty="0"/>
+          </a:p>
+        </p:txBody>
+      </p:sp>
+      <p:sp>
+        <p:nvSpPr>
+          <p:cNvPr id="152" name="TextBox 151">
             <a:extLst>
               <a:ext uri="{FF2B5EF4-FFF2-40B4-BE49-F238E27FC236}">
-                <a16:creationId xmlns:a16="http://schemas.microsoft.com/office/drawing/2014/main" id="{EDD4BEDA-1308-4648-9ED6-C3151C8E5B30}"/>
-              </a:ext>
-            </a:extLst>
-          </p:cNvPr>
-          <p:cNvCxnSpPr>
-            <a:cxnSpLocks/>
-          </p:cNvCxnSpPr>
-          <p:nvPr/>
-        </p:nvCxnSpPr>
-        <p:spPr>
-          <a:xfrm flipV="1">
-            <a:off x="2918103" y="4092398"/>
-            <a:ext cx="4750562" cy="11681"/>
-          </a:xfrm>
-          <a:prstGeom prst="straightConnector1">
-            <a:avLst/>
-          </a:prstGeom>
-          <a:ln w="19050">
-            <a:solidFill>
-              <a:srgbClr val="0070C0"/>
-            </a:solidFill>
-            <a:tailEnd type="arrow"/>
-          </a:ln>
-        </p:spPr>
-        <p:style>
-          <a:lnRef idx="1">
-            <a:schemeClr val="accent1"/>
-          </a:lnRef>
-          <a:fillRef idx="0">
-            <a:schemeClr val="accent1"/>
-          </a:fillRef>
-          <a:effectRef idx="0">
-            <a:schemeClr val="accent1"/>
-          </a:effectRef>
-          <a:fontRef idx="minor">
-            <a:schemeClr val="tx1"/>
-          </a:fontRef>
-        </p:style>
-      </p:cxnSp>
-      <p:sp>
-        <p:nvSpPr>
-          <p:cNvPr id="125" name="Rectangle 62">
-            <a:extLst>
-              <a:ext uri="{FF2B5EF4-FFF2-40B4-BE49-F238E27FC236}">
-                <a16:creationId xmlns:a16="http://schemas.microsoft.com/office/drawing/2014/main" id="{3A2616FE-04E1-4F86-BB67-0C8263E97B3E}"/>
-              </a:ext>
-            </a:extLst>
-          </p:cNvPr>
-          <p:cNvSpPr/>
-          <p:nvPr/>
-        </p:nvSpPr>
-        <p:spPr>
-          <a:xfrm>
-            <a:off x="7688029" y="3788803"/>
-            <a:ext cx="1426604" cy="536672"/>
-          </a:xfrm>
-          <a:prstGeom prst="rect">
-            <a:avLst/>
-          </a:prstGeom>
-          <a:solidFill>
-            <a:srgbClr val="0070C0"/>
-          </a:solidFill>
-          <a:ln w="19050">
-            <a:solidFill>
-              <a:srgbClr val="0070C0"/>
-            </a:solidFill>
-          </a:ln>
-          <a:effectLst/>
-        </p:spPr>
-        <p:style>
-          <a:lnRef idx="1">
-            <a:schemeClr val="accent2"/>
-          </a:lnRef>
-          <a:fillRef idx="2">
-            <a:schemeClr val="accent2"/>
-          </a:fillRef>
-          <a:effectRef idx="1">
-            <a:schemeClr val="accent2"/>
-          </a:effectRef>
-          <a:fontRef idx="minor">
-            <a:schemeClr val="dk1"/>
-          </a:fontRef>
-        </p:style>
-        <p:txBody>
-          <a:bodyPr rtlCol="0" anchor="ctr"/>
-          <a:lstStyle/>
-          <a:p>
-            <a:pPr algn="ctr"/>
-            <a:r>
-              <a:rPr lang="en-US" sz="1600" dirty="0">
-                <a:solidFill>
-                  <a:schemeClr val="bg1"/>
-                </a:solidFill>
-              </a:rPr>
-              <a:t>c:CreateGroupCommand</a:t>
-            </a:r>
-            <a:endParaRPr lang="en-SG" sz="1600" dirty="0">
-              <a:solidFill>
-                <a:schemeClr val="bg1"/>
-              </a:solidFill>
-            </a:endParaRPr>
-          </a:p>
-        </p:txBody>
-      </p:sp>
-      <p:sp>
-        <p:nvSpPr>
-          <p:cNvPr id="127" name="TextBox 126">
-            <a:extLst>
-              <a:ext uri="{FF2B5EF4-FFF2-40B4-BE49-F238E27FC236}">
-                <a16:creationId xmlns:a16="http://schemas.microsoft.com/office/drawing/2014/main" id="{CC2AE783-15A9-4032-95A8-1E1D663B7703}"/>
+                <a16:creationId xmlns:a16="http://schemas.microsoft.com/office/drawing/2014/main" id="{D2CE3E3C-6823-47AA-8C8B-0C25720B1CFA}"/>
               </a:ext>
             </a:extLst>
           </p:cNvPr>
@@ -6320,8 +5622,8 @@
         </p:nvSpPr>
         <p:spPr>
           <a:xfrm>
-            <a:off x="3988569" y="3869634"/>
-            <a:ext cx="1868379" cy="215444"/>
+            <a:off x="7215247" y="3830065"/>
+            <a:ext cx="1298078" cy="184666"/>
           </a:xfrm>
           <a:prstGeom prst="rect">
             <a:avLst/>
@@ -6346,18 +5648,33 @@
           </a:lstStyle>
           <a:p>
             <a:r>
-              <a:rPr lang="en-US" dirty="0"/>
-              <a:t>CreateGroupCommand(g)</a:t>
-            </a:r>
+              <a:rPr lang="en-US" sz="1200" dirty="0">
+                <a:solidFill>
+                  <a:schemeClr val="accent4">
+                    <a:lumMod val="75000"/>
+                  </a:schemeClr>
+                </a:solidFill>
+              </a:rPr>
+              <a:t>createGroup</a:t>
+            </a:r>
+            <a:r>
+              <a:rPr lang="en-US" sz="1200" dirty="0">
+                <a:solidFill>
+                  <a:srgbClr val="7030A0"/>
+                </a:solidFill>
+              </a:rPr>
+              <a:t>(g)</a:t>
+            </a:r>
+            <a:endParaRPr lang="en-US" sz="1200" dirty="0"/>
           </a:p>
         </p:txBody>
       </p:sp>
       <p:cxnSp>
         <p:nvCxnSpPr>
-          <p:cNvPr id="128" name="Straight Connector 127">
+          <p:cNvPr id="153" name="Straight Arrow Connector 152">
             <a:extLst>
               <a:ext uri="{FF2B5EF4-FFF2-40B4-BE49-F238E27FC236}">
-                <a16:creationId xmlns:a16="http://schemas.microsoft.com/office/drawing/2014/main" id="{A93A8016-2BA2-4196-B052-0E317108D42E}"/>
+                <a16:creationId xmlns:a16="http://schemas.microsoft.com/office/drawing/2014/main" id="{F5130935-DAB6-4F08-A215-1065D1E8028E}"/>
               </a:ext>
             </a:extLst>
           </p:cNvPr>
@@ -6367,42 +5684,41 @@
           <p:nvPr/>
         </p:nvCxnSpPr>
         <p:spPr>
-          <a:xfrm flipH="1">
-            <a:off x="8371305" y="3960887"/>
-            <a:ext cx="26294" cy="4040099"/>
-          </a:xfrm>
-          <a:prstGeom prst="line">
+          <a:xfrm flipV="1">
+            <a:off x="7168622" y="4031278"/>
+            <a:ext cx="1555434" cy="22798"/>
+          </a:xfrm>
+          <a:prstGeom prst="straightConnector1">
             <a:avLst/>
           </a:prstGeom>
           <a:ln w="19050">
             <a:solidFill>
-              <a:srgbClr val="0070C0"/>
+              <a:srgbClr val="7030A0"/>
             </a:solidFill>
-            <a:prstDash val="sysDash"/>
+            <a:tailEnd type="arrow"/>
           </a:ln>
-          <a:effectLst/>
         </p:spPr>
         <p:style>
           <a:lnRef idx="1">
             <a:schemeClr val="accent1"/>
           </a:lnRef>
-          <a:fillRef idx="2">
+          <a:fillRef idx="0">
             <a:schemeClr val="accent1"/>
           </a:fillRef>
-          <a:effectRef idx="1">
+          <a:effectRef idx="0">
             <a:schemeClr val="accent1"/>
           </a:effectRef>
           <a:fontRef idx="minor">
-            <a:schemeClr val="dk1"/>
+            <a:schemeClr val="tx1"/>
           </a:fontRef>
         </p:style>
       </p:cxnSp>
       <p:sp>
         <p:nvSpPr>
-          <p:cNvPr id="132" name="TextBox 131">
+          <p:cNvPr id="158" name="TextBox 157">
             <a:extLst>
               <a:ext uri="{FF2B5EF4-FFF2-40B4-BE49-F238E27FC236}">
-                <a16:creationId xmlns:a16="http://schemas.microsoft.com/office/drawing/2014/main" id="{5B36CA47-36CF-4B54-92D7-72453E24F63A}"/>
+                <a16:creationId xmlns:a16="http://schemas.microsoft.com/office/drawing/2014/main" id="{1C0DD7F6-7038-4186-88AA-02ED38810CB4}"/>
               </a:ext>
             </a:extLst>
           </p:cNvPr>
@@ -6411,8 +5727,8 @@
         </p:nvSpPr>
         <p:spPr>
           <a:xfrm>
-            <a:off x="116433" y="4577686"/>
-            <a:ext cx="220343" cy="215444"/>
+            <a:off x="9214175" y="3846612"/>
+            <a:ext cx="952727" cy="184666"/>
           </a:xfrm>
           <a:prstGeom prst="rect">
             <a:avLst/>
@@ -6437,362 +5753,6 @@
           </a:lstStyle>
           <a:p>
             <a:r>
-              <a:rPr lang="en-US" dirty="0"/>
-              <a:t>c</a:t>
-            </a:r>
-          </a:p>
-        </p:txBody>
-      </p:sp>
-      <p:cxnSp>
-        <p:nvCxnSpPr>
-          <p:cNvPr id="133" name="Straight Arrow Connector 132">
-            <a:extLst>
-              <a:ext uri="{FF2B5EF4-FFF2-40B4-BE49-F238E27FC236}">
-                <a16:creationId xmlns:a16="http://schemas.microsoft.com/office/drawing/2014/main" id="{19DDEF1A-58FB-47FF-B9B9-A7AD79969B1C}"/>
-              </a:ext>
-            </a:extLst>
-          </p:cNvPr>
-          <p:cNvCxnSpPr>
-            <a:cxnSpLocks/>
-          </p:cNvCxnSpPr>
-          <p:nvPr/>
-        </p:nvCxnSpPr>
-        <p:spPr>
-          <a:xfrm>
-            <a:off x="-428013" y="4918868"/>
-            <a:ext cx="1533625" cy="0"/>
-          </a:xfrm>
-          <a:prstGeom prst="straightConnector1">
-            <a:avLst/>
-          </a:prstGeom>
-          <a:ln w="19050">
-            <a:solidFill>
-              <a:srgbClr val="0070C0"/>
-            </a:solidFill>
-            <a:prstDash val="sysDash"/>
-            <a:headEnd type="arrow" w="med" len="med"/>
-            <a:tailEnd type="none" w="med" len="med"/>
-          </a:ln>
-        </p:spPr>
-        <p:style>
-          <a:lnRef idx="1">
-            <a:schemeClr val="accent1"/>
-          </a:lnRef>
-          <a:fillRef idx="0">
-            <a:schemeClr val="accent1"/>
-          </a:fillRef>
-          <a:effectRef idx="0">
-            <a:schemeClr val="accent1"/>
-          </a:effectRef>
-          <a:fontRef idx="minor">
-            <a:schemeClr val="tx1"/>
-          </a:fontRef>
-        </p:style>
-      </p:cxnSp>
-      <p:sp>
-        <p:nvSpPr>
-          <p:cNvPr id="146" name="TextBox 145">
-            <a:extLst>
-              <a:ext uri="{FF2B5EF4-FFF2-40B4-BE49-F238E27FC236}">
-                <a16:creationId xmlns:a16="http://schemas.microsoft.com/office/drawing/2014/main" id="{E2B8286A-DEB5-4CEE-BF48-8D160A9A3614}"/>
-              </a:ext>
-            </a:extLst>
-          </p:cNvPr>
-          <p:cNvSpPr txBox="1"/>
-          <p:nvPr/>
-        </p:nvSpPr>
-        <p:spPr>
-          <a:xfrm>
-            <a:off x="10334817" y="5077991"/>
-            <a:ext cx="1298078" cy="184666"/>
-          </a:xfrm>
-          <a:prstGeom prst="rect">
-            <a:avLst/>
-          </a:prstGeom>
-          <a:noFill/>
-        </p:spPr>
-        <p:txBody>
-          <a:bodyPr wrap="square" lIns="0" tIns="0" rIns="0" bIns="0" rtlCol="0">
-            <a:spAutoFit/>
-          </a:bodyPr>
-          <a:lstStyle>
-            <a:defPPr>
-              <a:defRPr lang="en-US"/>
-            </a:defPPr>
-            <a:lvl1pPr algn="r">
-              <a:defRPr sz="1400">
-                <a:solidFill>
-                  <a:srgbClr val="0070C0"/>
-                </a:solidFill>
-              </a:defRPr>
-            </a:lvl1pPr>
-          </a:lstStyle>
-          <a:p>
-            <a:r>
-              <a:rPr lang="en-US" sz="1200" dirty="0">
-                <a:solidFill>
-                  <a:schemeClr val="accent4">
-                    <a:lumMod val="75000"/>
-                  </a:schemeClr>
-                </a:solidFill>
-              </a:rPr>
-              <a:t>hasGroup</a:t>
-            </a:r>
-            <a:r>
-              <a:rPr lang="en-US" sz="1200" dirty="0">
-                <a:solidFill>
-                  <a:srgbClr val="7030A0"/>
-                </a:solidFill>
-              </a:rPr>
-              <a:t>(g)</a:t>
-            </a:r>
-            <a:endParaRPr lang="en-US" sz="1200" dirty="0"/>
-          </a:p>
-        </p:txBody>
-      </p:sp>
-      <p:cxnSp>
-        <p:nvCxnSpPr>
-          <p:cNvPr id="148" name="Curved Connector 12">
-            <a:extLst>
-              <a:ext uri="{FF2B5EF4-FFF2-40B4-BE49-F238E27FC236}">
-                <a16:creationId xmlns:a16="http://schemas.microsoft.com/office/drawing/2014/main" id="{B5388BA0-9A9C-48B0-A2F0-BEC798A6CBEF}"/>
-              </a:ext>
-            </a:extLst>
-          </p:cNvPr>
-          <p:cNvCxnSpPr>
-            <a:cxnSpLocks/>
-          </p:cNvCxnSpPr>
-          <p:nvPr/>
-        </p:nvCxnSpPr>
-        <p:spPr>
-          <a:xfrm rot="16200000" flipH="1">
-            <a:off x="12428347" y="5339280"/>
-            <a:ext cx="156923" cy="76200"/>
-          </a:xfrm>
-          <a:prstGeom prst="curvedConnector4">
-            <a:avLst>
-              <a:gd name="adj1" fmla="val -72355"/>
-              <a:gd name="adj2" fmla="val 364358"/>
-            </a:avLst>
-          </a:prstGeom>
-          <a:ln>
-            <a:solidFill>
-              <a:srgbClr val="7030A0"/>
-            </a:solidFill>
-            <a:tailEnd type="triangle"/>
-          </a:ln>
-        </p:spPr>
-        <p:style>
-          <a:lnRef idx="1">
-            <a:schemeClr val="accent1"/>
-          </a:lnRef>
-          <a:fillRef idx="0">
-            <a:schemeClr val="accent1"/>
-          </a:fillRef>
-          <a:effectRef idx="0">
-            <a:schemeClr val="accent1"/>
-          </a:effectRef>
-          <a:fontRef idx="minor">
-            <a:schemeClr val="tx1"/>
-          </a:fontRef>
-        </p:style>
-      </p:cxnSp>
-      <p:sp>
-        <p:nvSpPr>
-          <p:cNvPr id="149" name="TextBox 148">
-            <a:extLst>
-              <a:ext uri="{FF2B5EF4-FFF2-40B4-BE49-F238E27FC236}">
-                <a16:creationId xmlns:a16="http://schemas.microsoft.com/office/drawing/2014/main" id="{1FB37488-218B-47EF-9D16-7E2BD691A674}"/>
-              </a:ext>
-            </a:extLst>
-          </p:cNvPr>
-          <p:cNvSpPr txBox="1"/>
-          <p:nvPr/>
-        </p:nvSpPr>
-        <p:spPr>
-          <a:xfrm>
-            <a:off x="11506199" y="5134802"/>
-            <a:ext cx="2120786" cy="184666"/>
-          </a:xfrm>
-          <a:prstGeom prst="rect">
-            <a:avLst/>
-          </a:prstGeom>
-          <a:noFill/>
-        </p:spPr>
-        <p:txBody>
-          <a:bodyPr wrap="square" lIns="0" tIns="0" rIns="0" bIns="0" rtlCol="0">
-            <a:spAutoFit/>
-          </a:bodyPr>
-          <a:lstStyle>
-            <a:defPPr>
-              <a:defRPr lang="en-US"/>
-            </a:defPPr>
-            <a:lvl1pPr algn="r">
-              <a:defRPr sz="1400">
-                <a:solidFill>
-                  <a:srgbClr val="0070C0"/>
-                </a:solidFill>
-              </a:defRPr>
-            </a:lvl1pPr>
-          </a:lstStyle>
-          <a:p>
-            <a:r>
-              <a:rPr lang="en-US" sz="1200" dirty="0">
-                <a:solidFill>
-                  <a:srgbClr val="7030A0"/>
-                </a:solidFill>
-              </a:rPr>
-              <a:t>hasGroup(g)</a:t>
-            </a:r>
-            <a:endParaRPr lang="en-US" sz="1200" dirty="0"/>
-          </a:p>
-        </p:txBody>
-      </p:sp>
-      <p:sp>
-        <p:nvSpPr>
-          <p:cNvPr id="152" name="TextBox 151">
-            <a:extLst>
-              <a:ext uri="{FF2B5EF4-FFF2-40B4-BE49-F238E27FC236}">
-                <a16:creationId xmlns:a16="http://schemas.microsoft.com/office/drawing/2014/main" id="{D2CE3E3C-6823-47AA-8C8B-0C25720B1CFA}"/>
-              </a:ext>
-            </a:extLst>
-          </p:cNvPr>
-          <p:cNvSpPr txBox="1"/>
-          <p:nvPr/>
-        </p:nvSpPr>
-        <p:spPr>
-          <a:xfrm>
-            <a:off x="10586049" y="6090955"/>
-            <a:ext cx="1298078" cy="184666"/>
-          </a:xfrm>
-          <a:prstGeom prst="rect">
-            <a:avLst/>
-          </a:prstGeom>
-          <a:noFill/>
-        </p:spPr>
-        <p:txBody>
-          <a:bodyPr wrap="square" lIns="0" tIns="0" rIns="0" bIns="0" rtlCol="0">
-            <a:spAutoFit/>
-          </a:bodyPr>
-          <a:lstStyle>
-            <a:defPPr>
-              <a:defRPr lang="en-US"/>
-            </a:defPPr>
-            <a:lvl1pPr algn="r">
-              <a:defRPr sz="1400">
-                <a:solidFill>
-                  <a:srgbClr val="0070C0"/>
-                </a:solidFill>
-              </a:defRPr>
-            </a:lvl1pPr>
-          </a:lstStyle>
-          <a:p>
-            <a:r>
-              <a:rPr lang="en-US" sz="1200" dirty="0">
-                <a:solidFill>
-                  <a:schemeClr val="accent4">
-                    <a:lumMod val="75000"/>
-                  </a:schemeClr>
-                </a:solidFill>
-              </a:rPr>
-              <a:t>createGroup</a:t>
-            </a:r>
-            <a:r>
-              <a:rPr lang="en-US" sz="1200" dirty="0">
-                <a:solidFill>
-                  <a:srgbClr val="7030A0"/>
-                </a:solidFill>
-              </a:rPr>
-              <a:t>(g)</a:t>
-            </a:r>
-            <a:endParaRPr lang="en-US" sz="1200" dirty="0"/>
-          </a:p>
-        </p:txBody>
-      </p:sp>
-      <p:cxnSp>
-        <p:nvCxnSpPr>
-          <p:cNvPr id="153" name="Straight Arrow Connector 152">
-            <a:extLst>
-              <a:ext uri="{FF2B5EF4-FFF2-40B4-BE49-F238E27FC236}">
-                <a16:creationId xmlns:a16="http://schemas.microsoft.com/office/drawing/2014/main" id="{F5130935-DAB6-4F08-A215-1065D1E8028E}"/>
-              </a:ext>
-            </a:extLst>
-          </p:cNvPr>
-          <p:cNvCxnSpPr>
-            <a:cxnSpLocks/>
-          </p:cNvCxnSpPr>
-          <p:nvPr/>
-        </p:nvCxnSpPr>
-        <p:spPr>
-          <a:xfrm>
-            <a:off x="10572810" y="6283193"/>
-            <a:ext cx="1682007" cy="0"/>
-          </a:xfrm>
-          <a:prstGeom prst="straightConnector1">
-            <a:avLst/>
-          </a:prstGeom>
-          <a:ln w="19050">
-            <a:solidFill>
-              <a:srgbClr val="7030A0"/>
-            </a:solidFill>
-            <a:tailEnd type="arrow"/>
-          </a:ln>
-        </p:spPr>
-        <p:style>
-          <a:lnRef idx="1">
-            <a:schemeClr val="accent1"/>
-          </a:lnRef>
-          <a:fillRef idx="0">
-            <a:schemeClr val="accent1"/>
-          </a:fillRef>
-          <a:effectRef idx="0">
-            <a:schemeClr val="accent1"/>
-          </a:effectRef>
-          <a:fontRef idx="minor">
-            <a:schemeClr val="tx1"/>
-          </a:fontRef>
-        </p:style>
-      </p:cxnSp>
-      <p:sp>
-        <p:nvSpPr>
-          <p:cNvPr id="158" name="TextBox 157">
-            <a:extLst>
-              <a:ext uri="{FF2B5EF4-FFF2-40B4-BE49-F238E27FC236}">
-                <a16:creationId xmlns:a16="http://schemas.microsoft.com/office/drawing/2014/main" id="{1C0DD7F6-7038-4186-88AA-02ED38810CB4}"/>
-              </a:ext>
-            </a:extLst>
-          </p:cNvPr>
-          <p:cNvSpPr txBox="1"/>
-          <p:nvPr/>
-        </p:nvSpPr>
-        <p:spPr>
-          <a:xfrm>
-            <a:off x="12690807" y="6319547"/>
-            <a:ext cx="952727" cy="184666"/>
-          </a:xfrm>
-          <a:prstGeom prst="rect">
-            <a:avLst/>
-          </a:prstGeom>
-          <a:noFill/>
-        </p:spPr>
-        <p:txBody>
-          <a:bodyPr wrap="square" lIns="0" tIns="0" rIns="0" bIns="0" rtlCol="0">
-            <a:spAutoFit/>
-          </a:bodyPr>
-          <a:lstStyle>
-            <a:defPPr>
-              <a:defRPr lang="en-US"/>
-            </a:defPPr>
-            <a:lvl1pPr algn="r">
-              <a:defRPr sz="1400">
-                <a:solidFill>
-                  <a:srgbClr val="0070C0"/>
-                </a:solidFill>
-              </a:defRPr>
-            </a:lvl1pPr>
-          </a:lstStyle>
-          <a:p>
-            <a:r>
               <a:rPr lang="en-US" sz="1200" dirty="0">
                 <a:solidFill>
                   <a:srgbClr val="7030A0"/>
@@ -6818,8 +5778,8 @@
         </p:nvSpPr>
         <p:spPr>
           <a:xfrm>
-            <a:off x="7924815" y="5955013"/>
-            <a:ext cx="6019775" cy="995492"/>
+            <a:off x="2371207" y="3592358"/>
+            <a:ext cx="7894292" cy="995492"/>
           </a:xfrm>
           <a:prstGeom prst="rect">
             <a:avLst/>
@@ -6868,7 +5828,7 @@
         </p:nvCxnSpPr>
         <p:spPr>
           <a:xfrm>
-            <a:off x="10479436" y="4942636"/>
+            <a:off x="7172751" y="2781152"/>
             <a:ext cx="0" cy="3127027"/>
           </a:xfrm>
           <a:prstGeom prst="line">
@@ -6911,7 +5871,7 @@
         </p:nvSpPr>
         <p:spPr>
           <a:xfrm>
-            <a:off x="12252465" y="6275621"/>
+            <a:off x="8724056" y="4005826"/>
             <a:ext cx="184078" cy="281657"/>
           </a:xfrm>
           <a:prstGeom prst="rect">
@@ -6966,7 +5926,7 @@
         </p:nvCxnSpPr>
         <p:spPr>
           <a:xfrm>
-            <a:off x="12369571" y="4977843"/>
+            <a:off x="8841204" y="2774016"/>
             <a:ext cx="8997" cy="2122992"/>
           </a:xfrm>
           <a:prstGeom prst="line">
@@ -7011,8 +5971,8 @@
         </p:nvCxnSpPr>
         <p:spPr>
           <a:xfrm>
-            <a:off x="10533036" y="5623512"/>
-            <a:ext cx="1762883" cy="0"/>
+            <a:off x="7251109" y="3391247"/>
+            <a:ext cx="1606524" cy="16796"/>
           </a:xfrm>
           <a:prstGeom prst="straightConnector1">
             <a:avLst/>
@@ -7055,7 +6015,7 @@
         </p:nvSpPr>
         <p:spPr>
           <a:xfrm rot="10800000" flipH="1">
-            <a:off x="7940174" y="5960368"/>
+            <a:off x="2380084" y="3592357"/>
             <a:ext cx="533400" cy="287343"/>
           </a:xfrm>
           <a:prstGeom prst="snip1Rect">
@@ -7109,7 +6069,7 @@
         </p:nvSpPr>
         <p:spPr>
           <a:xfrm>
-            <a:off x="7922563" y="5893674"/>
+            <a:off x="2400720" y="3521443"/>
             <a:ext cx="613637" cy="369332"/>
           </a:xfrm>
           <a:prstGeom prst="rect">
@@ -7148,7 +6108,7 @@
         </p:nvSpPr>
         <p:spPr>
           <a:xfrm>
-            <a:off x="7875666" y="6231780"/>
+            <a:off x="2335255" y="3812357"/>
             <a:ext cx="1578359" cy="276999"/>
           </a:xfrm>
           <a:prstGeom prst="rect">
@@ -7189,8 +6149,8 @@
         </p:nvCxnSpPr>
         <p:spPr>
           <a:xfrm>
-            <a:off x="8471251" y="6748586"/>
-            <a:ext cx="1911679" cy="0"/>
+            <a:off x="4395454" y="4477336"/>
+            <a:ext cx="2671578" cy="0"/>
           </a:xfrm>
           <a:prstGeom prst="straightConnector1">
             <a:avLst/>
@@ -7235,8 +6195,8 @@
         </p:nvCxnSpPr>
         <p:spPr>
           <a:xfrm flipV="1">
-            <a:off x="-422425" y="7774219"/>
-            <a:ext cx="8718000" cy="46703"/>
+            <a:off x="-419287" y="5586294"/>
+            <a:ext cx="4647017" cy="14228"/>
           </a:xfrm>
           <a:prstGeom prst="straightConnector1">
             <a:avLst/>
@@ -7279,8 +6239,8 @@
         </p:nvSpPr>
         <p:spPr>
           <a:xfrm>
-            <a:off x="2799597" y="701344"/>
-            <a:ext cx="118927" cy="260212"/>
+            <a:off x="2752003" y="701344"/>
+            <a:ext cx="166521" cy="204295"/>
           </a:xfrm>
           <a:prstGeom prst="rect">
             <a:avLst/>
@@ -7338,7 +6298,7 @@
         </p:nvCxnSpPr>
         <p:spPr>
           <a:xfrm>
-            <a:off x="1297293" y="457200"/>
+            <a:off x="1297293" y="396953"/>
             <a:ext cx="735268" cy="0"/>
           </a:xfrm>
           <a:prstGeom prst="straightConnector1">
@@ -7382,8 +6342,8 @@
         </p:nvCxnSpPr>
         <p:spPr>
           <a:xfrm>
-            <a:off x="1297293" y="949828"/>
-            <a:ext cx="1469627" cy="0"/>
+            <a:off x="1322232" y="901160"/>
+            <a:ext cx="1477374" cy="0"/>
           </a:xfrm>
           <a:prstGeom prst="straightConnector1">
             <a:avLst/>
@@ -7426,7 +6386,7 @@
         </p:nvSpPr>
         <p:spPr>
           <a:xfrm>
-            <a:off x="2701612" y="5080588"/>
+            <a:off x="2699566" y="2480972"/>
             <a:ext cx="258404" cy="261610"/>
           </a:xfrm>
           <a:prstGeom prst="rect">
@@ -7447,45 +6407,6 @@
                 </a:solidFill>
               </a:rPr>
               <a:t>X</a:t>
-            </a:r>
-          </a:p>
-        </p:txBody>
-      </p:sp>
-      <p:sp>
-        <p:nvSpPr>
-          <p:cNvPr id="96" name="TextBox 95">
-            <a:extLst>
-              <a:ext uri="{FF2B5EF4-FFF2-40B4-BE49-F238E27FC236}">
-                <a16:creationId xmlns:a16="http://schemas.microsoft.com/office/drawing/2014/main" id="{0B480C55-023A-4756-8E8E-CA9F2670A810}"/>
-              </a:ext>
-            </a:extLst>
-          </p:cNvPr>
-          <p:cNvSpPr txBox="1"/>
-          <p:nvPr/>
-        </p:nvSpPr>
-        <p:spPr>
-          <a:xfrm>
-            <a:off x="1098039" y="4843061"/>
-            <a:ext cx="231154" cy="261610"/>
-          </a:xfrm>
-          <a:prstGeom prst="rect">
-            <a:avLst/>
-          </a:prstGeom>
-          <a:noFill/>
-        </p:spPr>
-        <p:txBody>
-          <a:bodyPr wrap="none" rtlCol="0">
-            <a:spAutoFit/>
-          </a:bodyPr>
-          <a:lstStyle/>
-          <a:p>
-            <a:r>
-              <a:rPr lang="en-SG" sz="1100" dirty="0">
-                <a:solidFill>
-                  <a:srgbClr val="002060"/>
-                </a:solidFill>
-              </a:rPr>
-              <a:t>!</a:t>
             </a:r>
           </a:p>
         </p:txBody>
@@ -7506,8 +6427,8 @@
         </p:nvCxnSpPr>
         <p:spPr>
           <a:xfrm flipV="1">
-            <a:off x="8452002" y="5917063"/>
-            <a:ext cx="2007459" cy="3422"/>
+            <a:off x="4395454" y="3526659"/>
+            <a:ext cx="2698130" cy="9706"/>
           </a:xfrm>
           <a:prstGeom prst="straightConnector1">
             <a:avLst/>
@@ -7552,8 +6473,8 @@
         </p:nvCxnSpPr>
         <p:spPr>
           <a:xfrm>
-            <a:off x="8471251" y="6208277"/>
-            <a:ext cx="1937561" cy="19740"/>
+            <a:off x="4329156" y="3962901"/>
+            <a:ext cx="2737876" cy="0"/>
           </a:xfrm>
           <a:prstGeom prst="straightConnector1">
             <a:avLst/>
@@ -7594,7 +6515,7 @@
         </p:nvSpPr>
         <p:spPr>
           <a:xfrm>
-            <a:off x="8325083" y="5969619"/>
+            <a:off x="5003669" y="3767800"/>
             <a:ext cx="1298078" cy="184666"/>
           </a:xfrm>
           <a:prstGeom prst="rect">
@@ -7655,7 +6576,7 @@
         </p:nvSpPr>
         <p:spPr>
           <a:xfrm>
-            <a:off x="10390702" y="6223146"/>
+            <a:off x="7076583" y="3951896"/>
             <a:ext cx="184078" cy="525440"/>
           </a:xfrm>
           <a:prstGeom prst="rect">
@@ -7708,8 +6629,8 @@
         </p:nvSpPr>
         <p:spPr>
           <a:xfrm>
-            <a:off x="8640556" y="6989580"/>
-            <a:ext cx="1640660" cy="504882"/>
+            <a:off x="4700590" y="4665561"/>
+            <a:ext cx="1576051" cy="504882"/>
           </a:xfrm>
           <a:prstGeom prst="rect">
             <a:avLst/>
@@ -7770,13 +6691,12 @@
           </p:cNvPr>
           <p:cNvCxnSpPr>
             <a:cxnSpLocks/>
-            <a:endCxn id="113" idx="1"/>
           </p:cNvCxnSpPr>
           <p:nvPr/>
         </p:nvCxnSpPr>
         <p:spPr>
           <a:xfrm>
-            <a:off x="8370922" y="7242021"/>
+            <a:off x="4416912" y="4832449"/>
             <a:ext cx="269634" cy="0"/>
           </a:xfrm>
           <a:prstGeom prst="straightConnector1">
@@ -7818,7 +6738,7 @@
         </p:nvSpPr>
         <p:spPr>
           <a:xfrm>
-            <a:off x="9303697" y="7497608"/>
+            <a:off x="5454090" y="5190463"/>
             <a:ext cx="143923" cy="140025"/>
           </a:xfrm>
           <a:prstGeom prst="rect">
@@ -7873,8 +6793,8 @@
         </p:nvCxnSpPr>
         <p:spPr>
           <a:xfrm>
-            <a:off x="8461055" y="7637633"/>
-            <a:ext cx="842642" cy="0"/>
+            <a:off x="4369482" y="5330488"/>
+            <a:ext cx="1084608" cy="0"/>
           </a:xfrm>
           <a:prstGeom prst="straightConnector1">
             <a:avLst/>
@@ -7905,10 +6825,10 @@
       </p:cxnSp>
       <p:cxnSp>
         <p:nvCxnSpPr>
-          <p:cNvPr id="104" name="Straight Connector 103">
+          <p:cNvPr id="98" name="Connector: Curved 97">
             <a:extLst>
               <a:ext uri="{FF2B5EF4-FFF2-40B4-BE49-F238E27FC236}">
-                <a16:creationId xmlns:a16="http://schemas.microsoft.com/office/drawing/2014/main" id="{4B8AC2AA-53D2-4812-8004-75C5A1B90409}"/>
+                <a16:creationId xmlns:a16="http://schemas.microsoft.com/office/drawing/2014/main" id="{7E266E75-176F-4AE1-92C6-4E97B5440B6F}"/>
               </a:ext>
             </a:extLst>
           </p:cNvPr>
@@ -7919,41 +6839,42 @@
         </p:nvCxnSpPr>
         <p:spPr>
           <a:xfrm>
-            <a:off x="5237084" y="2688712"/>
-            <a:ext cx="1174" cy="157173"/>
-          </a:xfrm>
-          <a:prstGeom prst="line">
-            <a:avLst/>
-          </a:prstGeom>
-          <a:ln w="19050">
+            <a:off x="8841204" y="4096795"/>
+            <a:ext cx="77219" cy="61094"/>
+          </a:xfrm>
+          <a:prstGeom prst="curvedConnector3">
+            <a:avLst>
+              <a:gd name="adj1" fmla="val 835537"/>
+            </a:avLst>
+          </a:prstGeom>
+          <a:ln>
             <a:solidFill>
-              <a:srgbClr val="0070C0"/>
+              <a:srgbClr val="7030A0"/>
             </a:solidFill>
-            <a:prstDash val="sysDash"/>
+            <a:tailEnd type="triangle"/>
           </a:ln>
-          <a:effectLst/>
         </p:spPr>
         <p:style>
           <a:lnRef idx="1">
             <a:schemeClr val="accent1"/>
           </a:lnRef>
-          <a:fillRef idx="2">
+          <a:fillRef idx="0">
             <a:schemeClr val="accent1"/>
           </a:fillRef>
-          <a:effectRef idx="1">
+          <a:effectRef idx="0">
             <a:schemeClr val="accent1"/>
           </a:effectRef>
           <a:fontRef idx="minor">
-            <a:schemeClr val="dk1"/>
+            <a:schemeClr val="tx1"/>
           </a:fontRef>
         </p:style>
       </p:cxnSp>
       <p:cxnSp>
         <p:nvCxnSpPr>
-          <p:cNvPr id="106" name="Straight Arrow Connector 105">
+          <p:cNvPr id="102" name="Connector: Curved 101">
             <a:extLst>
               <a:ext uri="{FF2B5EF4-FFF2-40B4-BE49-F238E27FC236}">
-                <a16:creationId xmlns:a16="http://schemas.microsoft.com/office/drawing/2014/main" id="{F35C5DDF-DE14-40FB-8E8D-4CBADA886F0C}"/>
+                <a16:creationId xmlns:a16="http://schemas.microsoft.com/office/drawing/2014/main" id="{A78987CC-3AFD-4E38-9014-71291FF52B7A}"/>
               </a:ext>
             </a:extLst>
           </p:cNvPr>
@@ -7964,17 +6885,19 @@
         </p:nvCxnSpPr>
         <p:spPr>
           <a:xfrm>
-            <a:off x="2859060" y="2895600"/>
-            <a:ext cx="2701331" cy="0"/>
-          </a:xfrm>
-          <a:prstGeom prst="straightConnector1">
-            <a:avLst/>
-          </a:prstGeom>
-          <a:ln w="19050">
+            <a:off x="8830915" y="3131936"/>
+            <a:ext cx="77219" cy="61094"/>
+          </a:xfrm>
+          <a:prstGeom prst="curvedConnector3">
+            <a:avLst>
+              <a:gd name="adj1" fmla="val 835537"/>
+            </a:avLst>
+          </a:prstGeom>
+          <a:ln>
             <a:solidFill>
-              <a:srgbClr val="0070C0"/>
+              <a:srgbClr val="7030A0"/>
             </a:solidFill>
-            <a:tailEnd type="arrow"/>
+            <a:tailEnd type="triangle"/>
           </a:ln>
         </p:spPr>
         <p:style>
@@ -7989,215 +6912,6 @@
           </a:effectRef>
           <a:fontRef idx="minor">
             <a:schemeClr val="tx1"/>
-          </a:fontRef>
-        </p:style>
-      </p:cxnSp>
-      <p:sp>
-        <p:nvSpPr>
-          <p:cNvPr id="110" name="Rectangle 62">
-            <a:extLst>
-              <a:ext uri="{FF2B5EF4-FFF2-40B4-BE49-F238E27FC236}">
-                <a16:creationId xmlns:a16="http://schemas.microsoft.com/office/drawing/2014/main" id="{F0A9BFC2-E6E2-4053-A48D-8473D8791C83}"/>
-              </a:ext>
-            </a:extLst>
-          </p:cNvPr>
-          <p:cNvSpPr/>
-          <p:nvPr/>
-        </p:nvSpPr>
-        <p:spPr>
-          <a:xfrm>
-            <a:off x="5550003" y="2631151"/>
-            <a:ext cx="1162397" cy="429468"/>
-          </a:xfrm>
-          <a:prstGeom prst="rect">
-            <a:avLst/>
-          </a:prstGeom>
-          <a:solidFill>
-            <a:srgbClr val="0070C0"/>
-          </a:solidFill>
-          <a:ln w="19050">
-            <a:solidFill>
-              <a:srgbClr val="0070C0"/>
-            </a:solidFill>
-          </a:ln>
-          <a:effectLst/>
-        </p:spPr>
-        <p:style>
-          <a:lnRef idx="1">
-            <a:schemeClr val="accent2"/>
-          </a:lnRef>
-          <a:fillRef idx="2">
-            <a:schemeClr val="accent2"/>
-          </a:fillRef>
-          <a:effectRef idx="1">
-            <a:schemeClr val="accent2"/>
-          </a:effectRef>
-          <a:fontRef idx="minor">
-            <a:schemeClr val="dk1"/>
-          </a:fontRef>
-        </p:style>
-        <p:txBody>
-          <a:bodyPr rtlCol="0" anchor="ctr"/>
-          <a:lstStyle/>
-          <a:p>
-            <a:pPr algn="ctr"/>
-            <a:r>
-              <a:rPr lang="en-US" sz="1600" dirty="0">
-                <a:solidFill>
-                  <a:schemeClr val="bg1"/>
-                </a:solidFill>
-              </a:rPr>
-              <a:t>t:Set&lt;Tag&gt;</a:t>
-            </a:r>
-            <a:endParaRPr lang="en-SG" sz="1600" dirty="0">
-              <a:solidFill>
-                <a:schemeClr val="bg1"/>
-              </a:solidFill>
-            </a:endParaRPr>
-          </a:p>
-        </p:txBody>
-      </p:sp>
-      <p:sp>
-        <p:nvSpPr>
-          <p:cNvPr id="115" name="Rectangle 114">
-            <a:extLst>
-              <a:ext uri="{FF2B5EF4-FFF2-40B4-BE49-F238E27FC236}">
-                <a16:creationId xmlns:a16="http://schemas.microsoft.com/office/drawing/2014/main" id="{33E2101B-885C-4A36-8BDF-0409D78DA5CE}"/>
-              </a:ext>
-            </a:extLst>
-          </p:cNvPr>
-          <p:cNvSpPr/>
-          <p:nvPr/>
-        </p:nvSpPr>
-        <p:spPr>
-          <a:xfrm>
-            <a:off x="6053997" y="3048719"/>
-            <a:ext cx="154408" cy="206710"/>
-          </a:xfrm>
-          <a:prstGeom prst="rect">
-            <a:avLst/>
-          </a:prstGeom>
-          <a:solidFill>
-            <a:srgbClr val="0070C0"/>
-          </a:solidFill>
-          <a:ln>
-            <a:solidFill>
-              <a:srgbClr val="0070C0"/>
-            </a:solidFill>
-          </a:ln>
-          <a:effectLst/>
-        </p:spPr>
-        <p:style>
-          <a:lnRef idx="1">
-            <a:schemeClr val="accent3"/>
-          </a:lnRef>
-          <a:fillRef idx="2">
-            <a:schemeClr val="accent3"/>
-          </a:fillRef>
-          <a:effectRef idx="1">
-            <a:schemeClr val="accent3"/>
-          </a:effectRef>
-          <a:fontRef idx="minor">
-            <a:schemeClr val="dk1"/>
-          </a:fontRef>
-        </p:style>
-        <p:txBody>
-          <a:bodyPr rtlCol="0" anchor="ctr"/>
-          <a:lstStyle/>
-          <a:p>
-            <a:pPr algn="ctr"/>
-            <a:endParaRPr lang="en-SG" sz="1400"/>
-          </a:p>
-        </p:txBody>
-      </p:sp>
-      <p:cxnSp>
-        <p:nvCxnSpPr>
-          <p:cNvPr id="116" name="Straight Arrow Connector 115">
-            <a:extLst>
-              <a:ext uri="{FF2B5EF4-FFF2-40B4-BE49-F238E27FC236}">
-                <a16:creationId xmlns:a16="http://schemas.microsoft.com/office/drawing/2014/main" id="{C79F064D-EAA5-4F1A-94AC-5FC24C2F6259}"/>
-              </a:ext>
-            </a:extLst>
-          </p:cNvPr>
-          <p:cNvCxnSpPr>
-            <a:cxnSpLocks/>
-          </p:cNvCxnSpPr>
-          <p:nvPr/>
-        </p:nvCxnSpPr>
-        <p:spPr>
-          <a:xfrm flipV="1">
-            <a:off x="2902140" y="3247756"/>
-            <a:ext cx="3151857" cy="10934"/>
-          </a:xfrm>
-          <a:prstGeom prst="straightConnector1">
-            <a:avLst/>
-          </a:prstGeom>
-          <a:ln w="19050">
-            <a:solidFill>
-              <a:srgbClr val="0070C0"/>
-            </a:solidFill>
-            <a:prstDash val="sysDash"/>
-            <a:headEnd type="arrow" w="med" len="med"/>
-            <a:tailEnd type="none" w="med" len="med"/>
-          </a:ln>
-        </p:spPr>
-        <p:style>
-          <a:lnRef idx="1">
-            <a:schemeClr val="accent1"/>
-          </a:lnRef>
-          <a:fillRef idx="0">
-            <a:schemeClr val="accent1"/>
-          </a:fillRef>
-          <a:effectRef idx="0">
-            <a:schemeClr val="accent1"/>
-          </a:effectRef>
-          <a:fontRef idx="minor">
-            <a:schemeClr val="tx1"/>
-          </a:fontRef>
-        </p:style>
-      </p:cxnSp>
-      <p:cxnSp>
-        <p:nvCxnSpPr>
-          <p:cNvPr id="126" name="Straight Connector 125">
-            <a:extLst>
-              <a:ext uri="{FF2B5EF4-FFF2-40B4-BE49-F238E27FC236}">
-                <a16:creationId xmlns:a16="http://schemas.microsoft.com/office/drawing/2014/main" id="{04626253-D9B2-47DA-9E06-5173D4A67182}"/>
-              </a:ext>
-            </a:extLst>
-          </p:cNvPr>
-          <p:cNvCxnSpPr>
-            <a:cxnSpLocks/>
-          </p:cNvCxnSpPr>
-          <p:nvPr/>
-        </p:nvCxnSpPr>
-        <p:spPr>
-          <a:xfrm>
-            <a:off x="6131201" y="3210224"/>
-            <a:ext cx="1174" cy="157173"/>
-          </a:xfrm>
-          <a:prstGeom prst="line">
-            <a:avLst/>
-          </a:prstGeom>
-          <a:ln w="19050">
-            <a:solidFill>
-              <a:srgbClr val="0070C0"/>
-            </a:solidFill>
-            <a:prstDash val="sysDash"/>
-          </a:ln>
-          <a:effectLst/>
-        </p:spPr>
-        <p:style>
-          <a:lnRef idx="1">
-            <a:schemeClr val="accent1"/>
-          </a:lnRef>
-          <a:fillRef idx="2">
-            <a:schemeClr val="accent1"/>
-          </a:fillRef>
-          <a:effectRef idx="1">
-            <a:schemeClr val="accent1"/>
-          </a:effectRef>
-          <a:fontRef idx="minor">
-            <a:schemeClr val="dk1"/>
           </a:fontRef>
         </p:style>
       </p:cxnSp>
